--- a/SBP/Prezentace SBP Hradílek.pptx
+++ b/SBP/Prezentace SBP Hradílek.pptx
@@ -14,10 +14,12 @@
     <p:sldId id="266" r:id="rId8"/>
     <p:sldId id="263" r:id="rId9"/>
     <p:sldId id="262" r:id="rId10"/>
-    <p:sldId id="264" r:id="rId11"/>
-    <p:sldId id="265" r:id="rId12"/>
-    <p:sldId id="267" r:id="rId13"/>
-    <p:sldId id="268" r:id="rId14"/>
+    <p:sldId id="269" r:id="rId11"/>
+    <p:sldId id="264" r:id="rId12"/>
+    <p:sldId id="270" r:id="rId13"/>
+    <p:sldId id="265" r:id="rId14"/>
+    <p:sldId id="267" r:id="rId15"/>
+    <p:sldId id="268" r:id="rId16"/>
   </p:sldIdLst>
   <p:sldSz cx="12192000" cy="6858000"/>
   <p:notesSz cx="6858000" cy="9144000"/>
@@ -128,7 +130,8 @@
 <p1510:revInfo xmlns:a="http://schemas.openxmlformats.org/drawingml/2006/main" xmlns:r="http://schemas.openxmlformats.org/officeDocument/2006/relationships" xmlns:p1510="http://schemas.microsoft.com/office/powerpoint/2015/10/main">
   <p1510:revLst>
     <p1510:client id="{3370ACB7-E856-6A28-0CE5-256D966A62CF}" v="1278" dt="2024-03-17T14:57:08.467"/>
-    <p1510:client id="{49A1CE87-8907-9133-2294-3272E56214A6}" v="31" dt="2024-03-19T12:27:01.828"/>
+    <p1510:client id="{49A1CE87-8907-9133-2294-3272E56214A6}" v="154" dt="2024-03-19T13:30:02.780"/>
+    <p1510:client id="{9B42327C-76E5-76F3-12F6-2E540D0A7107}" v="386" dt="2024-03-19T14:42:35.860"/>
   </p1510:revLst>
 </p1510:revInfo>
 </file>
@@ -2955,6 +2958,14 @@
 <file path=ppt/slides/slide1.xml><?xml version="1.0" encoding="utf-8"?>
 <p:sld xmlns:a="http://schemas.openxmlformats.org/drawingml/2006/main" xmlns:r="http://schemas.openxmlformats.org/officeDocument/2006/relationships" xmlns:p="http://schemas.openxmlformats.org/presentationml/2006/main">
   <p:cSld>
+    <p:bg>
+      <p:bgPr>
+        <a:solidFill>
+          <a:schemeClr val="bg1"/>
+        </a:solidFill>
+        <a:effectLst/>
+      </p:bgPr>
+    </p:bg>
     <p:spTree>
       <p:nvGrpSpPr>
         <p:cNvPr id="1" name=""/>
@@ -2969,79 +2980,63 @@
           <a:chExt cx="0" cy="0"/>
         </a:xfrm>
       </p:grpSpPr>
-      <p:sp>
-        <p:nvSpPr>
-          <p:cNvPr id="2" name="Nadpis 1"/>
-          <p:cNvSpPr>
-            <a:spLocks noGrp="1"/>
-          </p:cNvSpPr>
-          <p:nvPr>
-            <p:ph type="ctrTitle"/>
+      <p:sp useBgFill="1">
+        <p:nvSpPr>
+          <p:cNvPr id="9" name="Rectangle 8">
+            <a:extLst>
+              <a:ext uri="{FF2B5EF4-FFF2-40B4-BE49-F238E27FC236}">
+                <a16:creationId xmlns:a16="http://schemas.microsoft.com/office/drawing/2014/main" id="{594D6AA1-A0E1-45F9-8E25-BAB8092293CC}"/>
+              </a:ext>
+              <a:ext uri="{C183D7F6-B498-43B3-948B-1728B52AA6E4}">
+                <adec:decorative xmlns:adec="http://schemas.microsoft.com/office/drawing/2017/decorative" val="1"/>
+              </a:ext>
+            </a:extLst>
+          </p:cNvPr>
+          <p:cNvSpPr>
+            <a:spLocks noGrp="1" noRot="1" noChangeAspect="1" noMove="1" noResize="1" noEditPoints="1" noAdjustHandles="1" noChangeArrowheads="1" noChangeShapeType="1" noTextEdit="1"/>
+          </p:cNvSpPr>
+          <p:nvPr>
+            <p:extLst>
+              <p:ext uri="{386F3935-93C4-4BCD-93E2-E3B085C9AB24}">
+                <p16:designElem xmlns:p16="http://schemas.microsoft.com/office/powerpoint/2015/main" val="1"/>
+              </p:ext>
+            </p:extLst>
           </p:nvPr>
         </p:nvSpPr>
         <p:spPr>
           <a:xfrm>
-            <a:off x="1524000" y="1122363"/>
-            <a:ext cx="9144000" cy="1197628"/>
+            <a:off x="-1" y="0"/>
+            <a:ext cx="12188952" cy="6858000"/>
           </a:xfrm>
+          <a:prstGeom prst="rect">
+            <a:avLst/>
+          </a:prstGeom>
+          <a:ln>
+            <a:noFill/>
+          </a:ln>
         </p:spPr>
-        <p:txBody>
-          <a:bodyPr/>
-          <a:lstStyle/>
-          <a:p>
-            <a:r>
-              <a:rPr lang="cs-CZ" dirty="0">
-                <a:ea typeface="Calibri Light"/>
-                <a:cs typeface="Calibri Light"/>
-              </a:rPr>
-              <a:t>Diagramy datových toků</a:t>
-            </a:r>
-            <a:endParaRPr lang="cs-CZ" dirty="0"/>
-          </a:p>
-        </p:txBody>
-      </p:sp>
-      <p:sp>
-        <p:nvSpPr>
-          <p:cNvPr id="3" name="Podnadpis 2"/>
-          <p:cNvSpPr>
-            <a:spLocks noGrp="1"/>
-          </p:cNvSpPr>
-          <p:nvPr>
-            <p:ph type="subTitle" idx="1"/>
-          </p:nvPr>
-        </p:nvSpPr>
-        <p:spPr>
-          <a:xfrm>
-            <a:off x="1524000" y="2902221"/>
-            <a:ext cx="9144000" cy="523648"/>
-          </a:xfrm>
-        </p:spPr>
-        <p:txBody>
-          <a:bodyPr vert="horz" lIns="91440" tIns="45720" rIns="91440" bIns="45720" rtlCol="0" anchor="t">
-            <a:normAutofit/>
-          </a:bodyPr>
-          <a:lstStyle/>
-          <a:p>
-            <a:r>
-              <a:rPr lang="cs-CZ" dirty="0" err="1">
-                <a:ea typeface="Calibri"/>
-                <a:cs typeface="Calibri"/>
-              </a:rPr>
-              <a:t>Hradílek</a:t>
-            </a:r>
-            <a:r>
-              <a:rPr lang="cs-CZ" dirty="0">
-                <a:ea typeface="Calibri"/>
-                <a:cs typeface="Calibri"/>
-              </a:rPr>
-              <a:t> Martin</a:t>
-            </a:r>
-          </a:p>
-          <a:p>
-            <a:endParaRPr lang="cs-CZ" dirty="0">
-              <a:ea typeface="Calibri"/>
-              <a:cs typeface="Calibri"/>
-            </a:endParaRPr>
+        <p:style>
+          <a:lnRef idx="2">
+            <a:schemeClr val="accent1">
+              <a:shade val="50000"/>
+            </a:schemeClr>
+          </a:lnRef>
+          <a:fillRef idx="1">
+            <a:schemeClr val="accent1"/>
+          </a:fillRef>
+          <a:effectRef idx="0">
+            <a:schemeClr val="accent1"/>
+          </a:effectRef>
+          <a:fontRef idx="minor">
+            <a:schemeClr val="lt1"/>
+          </a:fontRef>
+        </p:style>
+        <p:txBody>
+          <a:bodyPr rtlCol="0" anchor="ctr"/>
+          <a:lstStyle/>
+          <a:p>
+            <a:pPr algn="ctr"/>
+            <a:endParaRPr lang="en-US"/>
           </a:p>
         </p:txBody>
       </p:sp>
@@ -3059,8 +3054,8 @@
         </p:nvSpPr>
         <p:spPr>
           <a:xfrm>
-            <a:off x="4202482" y="4004154"/>
-            <a:ext cx="3797474" cy="1200329"/>
+            <a:off x="838200" y="2957513"/>
+            <a:ext cx="10514013" cy="3363913"/>
           </a:xfrm>
           <a:prstGeom prst="rect">
             <a:avLst/>
@@ -3072,52 +3067,67 @@
             <a:prstTxWarp prst="textNoShape">
               <a:avLst/>
             </a:prstTxWarp>
-            <a:spAutoFit/>
+            <a:normAutofit/>
           </a:bodyPr>
           <a:lstStyle/>
           <a:p>
-            <a:r>
-              <a:rPr lang="en-US" err="1">
+            <a:pPr>
+              <a:spcAft>
+                <a:spcPts val="600"/>
+              </a:spcAft>
+            </a:pPr>
+            <a:r>
+              <a:rPr lang="en-US" sz="2800" err="1">
                 <a:ea typeface="Calibri"/>
                 <a:cs typeface="Calibri"/>
               </a:rPr>
               <a:t>Vedoucí</a:t>
             </a:r>
             <a:r>
-              <a:rPr lang="en-US" dirty="0">
+              <a:rPr lang="en-US" sz="2800">
                 <a:ea typeface="Calibri"/>
                 <a:cs typeface="Calibri"/>
               </a:rPr>
               <a:t> </a:t>
             </a:r>
             <a:r>
-              <a:rPr lang="en-US" err="1">
+              <a:rPr lang="en-US" sz="2800" err="1">
                 <a:ea typeface="Calibri"/>
                 <a:cs typeface="Calibri"/>
               </a:rPr>
               <a:t>práce</a:t>
             </a:r>
             <a:r>
-              <a:rPr lang="en-US" dirty="0">
+              <a:rPr lang="en-US" sz="2800">
                 <a:ea typeface="Calibri"/>
                 <a:cs typeface="Calibri"/>
               </a:rPr>
               <a:t> : </a:t>
             </a:r>
             <a:r>
-              <a:rPr lang="en-US" dirty="0"/>
+              <a:rPr lang="en-US" sz="2800"/>
               <a:t>RNDr. Arnošt Večerka</a:t>
             </a:r>
-            <a:endParaRPr lang="cs-CZ" dirty="0"/>
-          </a:p>
-          <a:p>
-            <a:endParaRPr lang="en-US" dirty="0">
+            <a:endParaRPr lang="cs-CZ" sz="2800"/>
+          </a:p>
+          <a:p>
+            <a:pPr>
+              <a:spcAft>
+                <a:spcPts val="600"/>
+              </a:spcAft>
+            </a:pPr>
+            <a:endParaRPr lang="en-US" sz="2800">
               <a:ea typeface="Calibri"/>
               <a:cs typeface="Calibri"/>
             </a:endParaRPr>
           </a:p>
           <a:p>
-            <a:endParaRPr lang="en-US" dirty="0">
+            <a:pPr>
+              <a:spcAft>
+                <a:spcPts val="600"/>
+              </a:spcAft>
+            </a:pPr>
+            <a:endParaRPr lang="en-US" sz="2800">
               <a:solidFill>
                 <a:srgbClr val="000000"/>
               </a:solidFill>
@@ -3126,10 +3136,93 @@
             </a:endParaRPr>
           </a:p>
           <a:p>
-            <a:endParaRPr lang="en-US" dirty="0">
+            <a:pPr>
+              <a:spcAft>
+                <a:spcPts val="600"/>
+              </a:spcAft>
+            </a:pPr>
+            <a:endParaRPr lang="en-US" sz="2800">
               <a:solidFill>
                 <a:srgbClr val="000000"/>
               </a:solidFill>
+              <a:ea typeface="Calibri"/>
+              <a:cs typeface="Calibri"/>
+            </a:endParaRPr>
+          </a:p>
+        </p:txBody>
+      </p:sp>
+      <p:sp>
+        <p:nvSpPr>
+          <p:cNvPr id="2" name="Nadpis 1"/>
+          <p:cNvSpPr>
+            <a:spLocks noGrp="1"/>
+          </p:cNvSpPr>
+          <p:nvPr>
+            <p:ph type="ctrTitle"/>
+          </p:nvPr>
+        </p:nvSpPr>
+        <p:spPr>
+          <a:xfrm>
+            <a:off x="838199" y="557189"/>
+            <a:ext cx="10515599" cy="1296287"/>
+          </a:xfrm>
+        </p:spPr>
+        <p:txBody>
+          <a:bodyPr>
+            <a:normAutofit/>
+          </a:bodyPr>
+          <a:lstStyle/>
+          <a:p>
+            <a:r>
+              <a:rPr lang="cs-CZ" sz="5200">
+                <a:ea typeface="Calibri Light"/>
+                <a:cs typeface="Calibri Light"/>
+              </a:rPr>
+              <a:t>Diagramy datových toků</a:t>
+            </a:r>
+            <a:endParaRPr lang="cs-CZ" sz="5200"/>
+          </a:p>
+        </p:txBody>
+      </p:sp>
+      <p:sp>
+        <p:nvSpPr>
+          <p:cNvPr id="3" name="Podnadpis 2"/>
+          <p:cNvSpPr>
+            <a:spLocks noGrp="1"/>
+          </p:cNvSpPr>
+          <p:nvPr>
+            <p:ph type="subTitle" idx="1"/>
+          </p:nvPr>
+        </p:nvSpPr>
+        <p:spPr>
+          <a:xfrm>
+            <a:off x="838199" y="2046851"/>
+            <a:ext cx="10515599" cy="728910"/>
+          </a:xfrm>
+        </p:spPr>
+        <p:txBody>
+          <a:bodyPr vert="horz" lIns="91440" tIns="45720" rIns="91440" bIns="45720" rtlCol="0">
+            <a:normAutofit/>
+          </a:bodyPr>
+          <a:lstStyle/>
+          <a:p>
+            <a:r>
+              <a:rPr lang="cs-CZ" dirty="0" err="1">
+                <a:ea typeface="Calibri"/>
+                <a:cs typeface="Calibri"/>
+              </a:rPr>
+              <a:t>Hradílek</a:t>
+            </a:r>
+            <a:r>
+              <a:rPr lang="cs-CZ" dirty="0">
+                <a:ea typeface="Calibri"/>
+                <a:cs typeface="Calibri"/>
+              </a:rPr>
+              <a:t> Martin</a:t>
+            </a:r>
+          </a:p>
+          <a:p>
+            <a:endParaRPr lang="cs-CZ" dirty="0">
               <a:ea typeface="Calibri"/>
               <a:cs typeface="Calibri"/>
             </a:endParaRPr>
@@ -3166,141 +3259,38 @@
           <a:chExt cx="0" cy="0"/>
         </a:xfrm>
       </p:grpSpPr>
-      <p:sp>
-        <p:nvSpPr>
-          <p:cNvPr id="2" name="Nadpis 1">
+      <p:pic>
+        <p:nvPicPr>
+          <p:cNvPr id="4" name="Zástupný obsah 3" descr="Obsah obrázku snímek obrazovky, řada/pruh, diagram, text&#10;&#10;Popis se vygeneroval automaticky.">
             <a:extLst>
               <a:ext uri="{FF2B5EF4-FFF2-40B4-BE49-F238E27FC236}">
-                <a16:creationId xmlns:a16="http://schemas.microsoft.com/office/drawing/2014/main" id="{7907F034-6F62-99A6-9B91-5FE2C395029F}"/>
-              </a:ext>
-            </a:extLst>
-          </p:cNvPr>
-          <p:cNvSpPr>
-            <a:spLocks noGrp="1"/>
-          </p:cNvSpPr>
-          <p:nvPr>
-            <p:ph type="title"/>
-          </p:nvPr>
-        </p:nvSpPr>
-        <p:spPr/>
-        <p:txBody>
-          <a:bodyPr/>
-          <a:lstStyle/>
-          <a:p>
-            <a:r>
-              <a:rPr lang="cs-CZ" dirty="0">
-                <a:ea typeface="Calibri Light"/>
-                <a:cs typeface="Calibri Light"/>
-              </a:rPr>
-              <a:t>Implementace - příkaz</a:t>
-            </a:r>
-          </a:p>
-        </p:txBody>
-      </p:sp>
-      <p:sp>
-        <p:nvSpPr>
-          <p:cNvPr id="3" name="Zástupný obsah 2">
-            <a:extLst>
-              <a:ext uri="{FF2B5EF4-FFF2-40B4-BE49-F238E27FC236}">
-                <a16:creationId xmlns:a16="http://schemas.microsoft.com/office/drawing/2014/main" id="{8D1C8616-4696-4344-A117-63C2057FCAD2}"/>
-              </a:ext>
-            </a:extLst>
-          </p:cNvPr>
-          <p:cNvSpPr>
-            <a:spLocks noGrp="1"/>
-          </p:cNvSpPr>
-          <p:nvPr>
-            <p:ph idx="1"/>
-          </p:nvPr>
-        </p:nvSpPr>
-        <p:spPr>
-          <a:xfrm>
-            <a:off x="660748" y="1627296"/>
-            <a:ext cx="10515600" cy="4351338"/>
-          </a:xfrm>
-        </p:spPr>
-        <p:txBody>
-          <a:bodyPr vert="horz" lIns="91440" tIns="45720" rIns="91440" bIns="45720" rtlCol="0" anchor="t">
-            <a:normAutofit/>
-          </a:bodyPr>
-          <a:lstStyle/>
-          <a:p>
-            <a:r>
-              <a:rPr lang="cs-CZ" dirty="0">
-                <a:ea typeface="Calibri"/>
-                <a:cs typeface="Calibri"/>
-              </a:rPr>
-              <a:t>… jsou realizovány jako implementace návrhového vzoru příkaz</a:t>
-            </a:r>
-          </a:p>
-          <a:p>
-            <a:r>
-              <a:rPr lang="cs-CZ" dirty="0">
-                <a:ea typeface="Calibri"/>
-                <a:cs typeface="Calibri"/>
-              </a:rPr>
-              <a:t>Tyto příkazy </a:t>
-            </a:r>
-            <a:r>
-              <a:rPr lang="cs-CZ" dirty="0" err="1">
-                <a:ea typeface="Calibri"/>
-                <a:cs typeface="Calibri"/>
-              </a:rPr>
-              <a:t>ukládájí</a:t>
-            </a:r>
-            <a:r>
-              <a:rPr lang="cs-CZ" dirty="0">
-                <a:ea typeface="Calibri"/>
-                <a:cs typeface="Calibri"/>
-              </a:rPr>
-              <a:t> stav??, který je určitým způsobem aplikován</a:t>
-            </a:r>
-          </a:p>
-          <a:p>
-            <a:r>
-              <a:rPr lang="cs-CZ" dirty="0">
-                <a:ea typeface="Calibri"/>
-                <a:cs typeface="Calibri"/>
-              </a:rPr>
-              <a:t>Umožňuje také operaci vrátit zpět</a:t>
-            </a:r>
-          </a:p>
-        </p:txBody>
-      </p:sp>
-      <p:pic>
-        <p:nvPicPr>
-          <p:cNvPr id="4" name="Obrázek 3" descr="Obsah obrázku skica, kresba, Perokresba, klipart&#10;&#10;Popis se vygeneroval automaticky.">
-            <a:extLst>
-              <a:ext uri="{FF2B5EF4-FFF2-40B4-BE49-F238E27FC236}">
-                <a16:creationId xmlns:a16="http://schemas.microsoft.com/office/drawing/2014/main" id="{01A2BEBE-8EAA-12AF-DC8B-9BFFDBBC4353}"/>
+                <a16:creationId xmlns:a16="http://schemas.microsoft.com/office/drawing/2014/main" id="{A67434A6-F959-2FAF-F201-D3D77F0083DC}"/>
               </a:ext>
             </a:extLst>
           </p:cNvPr>
           <p:cNvPicPr>
-            <a:picLocks noChangeAspect="1"/>
+            <a:picLocks noGrp="1" noChangeAspect="1"/>
           </p:cNvPicPr>
-          <p:nvPr/>
+          <p:nvPr>
+            <p:ph idx="1"/>
+          </p:nvPr>
         </p:nvPicPr>
-        <p:blipFill>
+        <p:blipFill rotWithShape="1">
           <a:blip r:embed="rId2"/>
-          <a:stretch>
-            <a:fillRect/>
-          </a:stretch>
+          <a:srcRect t="-1008" r="7692" b="7731"/>
+          <a:stretch/>
         </p:blipFill>
         <p:spPr>
           <a:xfrm>
-            <a:off x="5782850" y="3254158"/>
-            <a:ext cx="6096000" cy="3429000"/>
+            <a:off x="948082" y="344500"/>
+            <a:ext cx="10710717" cy="6115104"/>
           </a:xfrm>
-          <a:prstGeom prst="rect">
-            <a:avLst/>
-          </a:prstGeom>
         </p:spPr>
       </p:pic>
     </p:spTree>
     <p:extLst>
       <p:ext uri="{BB962C8B-B14F-4D97-AF65-F5344CB8AC3E}">
-        <p14:creationId xmlns:p14="http://schemas.microsoft.com/office/powerpoint/2010/main" val="4286873188"/>
+        <p14:creationId xmlns:p14="http://schemas.microsoft.com/office/powerpoint/2010/main" val="2180968579"/>
       </p:ext>
     </p:extLst>
   </p:cSld>
@@ -3332,7 +3322,7 @@
           <p:cNvPr id="2" name="Nadpis 1">
             <a:extLst>
               <a:ext uri="{FF2B5EF4-FFF2-40B4-BE49-F238E27FC236}">
-                <a16:creationId xmlns:a16="http://schemas.microsoft.com/office/drawing/2014/main" id="{F244BD72-4561-F0C0-9882-EAE10921D349}"/>
+                <a16:creationId xmlns:a16="http://schemas.microsoft.com/office/drawing/2014/main" id="{7907F034-6F62-99A6-9B91-5FE2C395029F}"/>
               </a:ext>
             </a:extLst>
           </p:cNvPr>
@@ -3350,9 +3340,10 @@
           <a:p>
             <a:r>
               <a:rPr lang="cs-CZ" dirty="0">
-                <a:cs typeface="Calibri Light" panose="020F0302020204030204"/>
-              </a:rPr>
-              <a:t>Ukládání a export</a:t>
+                <a:ea typeface="Calibri Light"/>
+                <a:cs typeface="Calibri Light"/>
+              </a:rPr>
+              <a:t>Implementace - příkaz</a:t>
             </a:r>
           </a:p>
         </p:txBody>
@@ -3362,7 +3353,7 @@
           <p:cNvPr id="3" name="Zástupný obsah 2">
             <a:extLst>
               <a:ext uri="{FF2B5EF4-FFF2-40B4-BE49-F238E27FC236}">
-                <a16:creationId xmlns:a16="http://schemas.microsoft.com/office/drawing/2014/main" id="{AAB755CA-83C6-F19A-5879-084B2F7B8DDD}"/>
+                <a16:creationId xmlns:a16="http://schemas.microsoft.com/office/drawing/2014/main" id="{8D1C8616-4696-4344-A117-63C2057FCAD2}"/>
               </a:ext>
             </a:extLst>
           </p:cNvPr>
@@ -3373,7 +3364,12 @@
             <p:ph idx="1"/>
           </p:nvPr>
         </p:nvSpPr>
-        <p:spPr/>
+        <p:spPr>
+          <a:xfrm>
+            <a:off x="660748" y="1627296"/>
+            <a:ext cx="10515600" cy="4351338"/>
+          </a:xfrm>
+        </p:spPr>
         <p:txBody>
           <a:bodyPr vert="horz" lIns="91440" tIns="45720" rIns="91440" bIns="45720" rtlCol="0" anchor="t">
             <a:normAutofit/>
@@ -3385,7 +3381,7 @@
                 <a:ea typeface="Calibri"/>
                 <a:cs typeface="Calibri"/>
               </a:rPr>
-              <a:t>Data jsou ukládána do XML </a:t>
+              <a:t>Všechna funkcionalita je realizována příkazy</a:t>
             </a:r>
           </a:p>
           <a:p>
@@ -3395,23 +3391,37 @@
             </a:endParaRPr>
           </a:p>
           <a:p>
-            <a:pPr marL="0" indent="0">
-              <a:buNone/>
-            </a:pPr>
             <a:r>
               <a:rPr lang="cs-CZ" dirty="0">
                 <a:ea typeface="Calibri"/>
                 <a:cs typeface="Calibri"/>
               </a:rPr>
-              <a:t>Diagram lze exportovat do formátů PNG, JPG a BMP. </a:t>
-            </a:r>
+              <a:t>Tyto příkazy ukládají stav, který je aplikován</a:t>
+            </a:r>
+            <a:endParaRPr lang="cs-CZ"/>
+          </a:p>
+          <a:p>
+            <a:endParaRPr lang="cs-CZ" dirty="0">
+              <a:ea typeface="Calibri"/>
+              <a:cs typeface="Calibri"/>
+            </a:endParaRPr>
+          </a:p>
+          <a:p>
+            <a:r>
+              <a:rPr lang="cs-CZ" dirty="0">
+                <a:ea typeface="Calibri"/>
+                <a:cs typeface="Calibri"/>
+              </a:rPr>
+              <a:t>Umožňuje také operace vrátit zpět</a:t>
+            </a:r>
+            <a:endParaRPr lang="cs-CZ" dirty="0"/>
           </a:p>
         </p:txBody>
       </p:sp>
     </p:spTree>
     <p:extLst>
       <p:ext uri="{BB962C8B-B14F-4D97-AF65-F5344CB8AC3E}">
-        <p14:creationId xmlns:p14="http://schemas.microsoft.com/office/powerpoint/2010/main" val="3638258704"/>
+        <p14:creationId xmlns:p14="http://schemas.microsoft.com/office/powerpoint/2010/main" val="4286873188"/>
       </p:ext>
     </p:extLst>
   </p:cSld>
@@ -3422,6 +3432,74 @@
 </file>
 
 <file path=ppt/slides/slide12.xml><?xml version="1.0" encoding="utf-8"?>
+<p:sld xmlns:a="http://schemas.openxmlformats.org/drawingml/2006/main" xmlns:r="http://schemas.openxmlformats.org/officeDocument/2006/relationships" xmlns:p="http://schemas.openxmlformats.org/presentationml/2006/main">
+  <p:cSld>
+    <p:bg>
+      <p:bgPr>
+        <a:solidFill>
+          <a:schemeClr val="bg1"/>
+        </a:solidFill>
+        <a:effectLst/>
+      </p:bgPr>
+    </p:bg>
+    <p:spTree>
+      <p:nvGrpSpPr>
+        <p:cNvPr id="1" name=""/>
+        <p:cNvGrpSpPr/>
+        <p:nvPr/>
+      </p:nvGrpSpPr>
+      <p:grpSpPr>
+        <a:xfrm>
+          <a:off x="0" y="0"/>
+          <a:ext cx="0" cy="0"/>
+          <a:chOff x="0" y="0"/>
+          <a:chExt cx="0" cy="0"/>
+        </a:xfrm>
+      </p:grpSpPr>
+      <p:pic>
+        <p:nvPicPr>
+          <p:cNvPr id="9" name="Obrázek 8" descr="Obsah obrázku text, snímek obrazovky, software&#10;&#10;Popis se vygeneroval automaticky.">
+            <a:extLst>
+              <a:ext uri="{FF2B5EF4-FFF2-40B4-BE49-F238E27FC236}">
+                <a16:creationId xmlns:a16="http://schemas.microsoft.com/office/drawing/2014/main" id="{F6F64F1C-4260-5034-E6DD-804935AAD913}"/>
+              </a:ext>
+            </a:extLst>
+          </p:cNvPr>
+          <p:cNvPicPr>
+            <a:picLocks noChangeAspect="1"/>
+          </p:cNvPicPr>
+          <p:nvPr/>
+        </p:nvPicPr>
+        <p:blipFill>
+          <a:blip r:embed="rId2"/>
+          <a:stretch>
+            <a:fillRect/>
+          </a:stretch>
+        </p:blipFill>
+        <p:spPr>
+          <a:xfrm>
+            <a:off x="2191887" y="552189"/>
+            <a:ext cx="7808225" cy="5764060"/>
+          </a:xfrm>
+          <a:prstGeom prst="rect">
+            <a:avLst/>
+          </a:prstGeom>
+        </p:spPr>
+      </p:pic>
+    </p:spTree>
+    <p:extLst>
+      <p:ext uri="{BB962C8B-B14F-4D97-AF65-F5344CB8AC3E}">
+        <p14:creationId xmlns:p14="http://schemas.microsoft.com/office/powerpoint/2010/main" val="827888910"/>
+      </p:ext>
+    </p:extLst>
+  </p:cSld>
+  <p:clrMapOvr>
+    <a:masterClrMapping/>
+  </p:clrMapOvr>
+</p:sld>
+</file>
+
+<file path=ppt/slides/slide13.xml><?xml version="1.0" encoding="utf-8"?>
 <p:sld xmlns:a="http://schemas.openxmlformats.org/drawingml/2006/main" xmlns:r="http://schemas.openxmlformats.org/officeDocument/2006/relationships" xmlns:p="http://schemas.openxmlformats.org/presentationml/2006/main">
   <p:cSld>
     <p:spTree>
@@ -3443,6 +3521,149 @@
           <p:cNvPr id="2" name="Nadpis 1">
             <a:extLst>
               <a:ext uri="{FF2B5EF4-FFF2-40B4-BE49-F238E27FC236}">
+                <a16:creationId xmlns:a16="http://schemas.microsoft.com/office/drawing/2014/main" id="{F244BD72-4561-F0C0-9882-EAE10921D349}"/>
+              </a:ext>
+            </a:extLst>
+          </p:cNvPr>
+          <p:cNvSpPr>
+            <a:spLocks noGrp="1"/>
+          </p:cNvSpPr>
+          <p:nvPr>
+            <p:ph type="title"/>
+          </p:nvPr>
+        </p:nvSpPr>
+        <p:spPr/>
+        <p:txBody>
+          <a:bodyPr/>
+          <a:lstStyle/>
+          <a:p>
+            <a:r>
+              <a:rPr lang="cs-CZ" dirty="0">
+                <a:cs typeface="Calibri Light" panose="020F0302020204030204"/>
+              </a:rPr>
+              <a:t>Ukládání a export</a:t>
+            </a:r>
+          </a:p>
+        </p:txBody>
+      </p:sp>
+      <p:sp>
+        <p:nvSpPr>
+          <p:cNvPr id="3" name="Zástupný obsah 2">
+            <a:extLst>
+              <a:ext uri="{FF2B5EF4-FFF2-40B4-BE49-F238E27FC236}">
+                <a16:creationId xmlns:a16="http://schemas.microsoft.com/office/drawing/2014/main" id="{AAB755CA-83C6-F19A-5879-084B2F7B8DDD}"/>
+              </a:ext>
+            </a:extLst>
+          </p:cNvPr>
+          <p:cNvSpPr>
+            <a:spLocks noGrp="1"/>
+          </p:cNvSpPr>
+          <p:nvPr>
+            <p:ph idx="1"/>
+          </p:nvPr>
+        </p:nvSpPr>
+        <p:spPr/>
+        <p:txBody>
+          <a:bodyPr vert="horz" lIns="91440" tIns="45720" rIns="91440" bIns="45720" rtlCol="0" anchor="t">
+            <a:normAutofit/>
+          </a:bodyPr>
+          <a:lstStyle/>
+          <a:p>
+            <a:endParaRPr lang="cs-CZ" dirty="0">
+              <a:ea typeface="Calibri"/>
+              <a:cs typeface="Calibri"/>
+            </a:endParaRPr>
+          </a:p>
+          <a:p>
+            <a:r>
+              <a:rPr lang="cs-CZ" dirty="0">
+                <a:ea typeface="Calibri"/>
+                <a:cs typeface="Calibri"/>
+              </a:rPr>
+              <a:t>Data jsou ukládána do XML </a:t>
+            </a:r>
+            <a:endParaRPr lang="cs-CZ" dirty="0"/>
+          </a:p>
+          <a:p>
+            <a:endParaRPr lang="cs-CZ" dirty="0">
+              <a:ea typeface="Calibri"/>
+              <a:cs typeface="Calibri"/>
+            </a:endParaRPr>
+          </a:p>
+          <a:p>
+            <a:endParaRPr lang="cs-CZ" dirty="0">
+              <a:ea typeface="Calibri"/>
+              <a:cs typeface="Calibri"/>
+            </a:endParaRPr>
+          </a:p>
+          <a:p>
+            <a:endParaRPr lang="cs-CZ" dirty="0">
+              <a:ea typeface="Calibri"/>
+              <a:cs typeface="Calibri"/>
+            </a:endParaRPr>
+          </a:p>
+          <a:p>
+            <a:r>
+              <a:rPr lang="cs-CZ">
+                <a:ea typeface="Calibri"/>
+                <a:cs typeface="Calibri"/>
+              </a:rPr>
+              <a:t>Diagram lze exportovat do formátů PNG, JPG a BMP. </a:t>
+            </a:r>
+            <a:endParaRPr lang="cs-CZ" dirty="0">
+              <a:ea typeface="Calibri"/>
+              <a:cs typeface="Calibri"/>
+            </a:endParaRPr>
+          </a:p>
+          <a:p>
+            <a:pPr marL="0" indent="0">
+              <a:buNone/>
+            </a:pPr>
+            <a:r>
+              <a:rPr lang="cs-CZ" dirty="0">
+                <a:ea typeface="Calibri"/>
+                <a:cs typeface="Calibri"/>
+              </a:rPr>
+              <a:t> </a:t>
+            </a:r>
+          </a:p>
+        </p:txBody>
+      </p:sp>
+    </p:spTree>
+    <p:extLst>
+      <p:ext uri="{BB962C8B-B14F-4D97-AF65-F5344CB8AC3E}">
+        <p14:creationId xmlns:p14="http://schemas.microsoft.com/office/powerpoint/2010/main" val="3638258704"/>
+      </p:ext>
+    </p:extLst>
+  </p:cSld>
+  <p:clrMapOvr>
+    <a:masterClrMapping/>
+  </p:clrMapOvr>
+</p:sld>
+</file>
+
+<file path=ppt/slides/slide14.xml><?xml version="1.0" encoding="utf-8"?>
+<p:sld xmlns:a="http://schemas.openxmlformats.org/drawingml/2006/main" xmlns:r="http://schemas.openxmlformats.org/officeDocument/2006/relationships" xmlns:p="http://schemas.openxmlformats.org/presentationml/2006/main">
+  <p:cSld>
+    <p:spTree>
+      <p:nvGrpSpPr>
+        <p:cNvPr id="1" name=""/>
+        <p:cNvGrpSpPr/>
+        <p:nvPr/>
+      </p:nvGrpSpPr>
+      <p:grpSpPr>
+        <a:xfrm>
+          <a:off x="0" y="0"/>
+          <a:ext cx="0" cy="0"/>
+          <a:chOff x="0" y="0"/>
+          <a:chExt cx="0" cy="0"/>
+        </a:xfrm>
+      </p:grpSpPr>
+      <p:sp>
+        <p:nvSpPr>
+          <p:cNvPr id="2" name="Nadpis 1">
+            <a:extLst>
+              <a:ext uri="{FF2B5EF4-FFF2-40B4-BE49-F238E27FC236}">
                 <a16:creationId xmlns:a16="http://schemas.microsoft.com/office/drawing/2014/main" id="{0C10B664-210F-55FD-0354-72DE69B4EE1E}"/>
               </a:ext>
             </a:extLst>
@@ -3502,6 +3723,12 @@
             </a:r>
           </a:p>
           <a:p>
+            <a:endParaRPr lang="cs-CZ" dirty="0">
+              <a:ea typeface="Calibri"/>
+              <a:cs typeface="Calibri"/>
+            </a:endParaRPr>
+          </a:p>
+          <a:p>
             <a:r>
               <a:rPr lang="cs-CZ" dirty="0">
                 <a:ea typeface="Calibri"/>
@@ -3511,20 +3738,25 @@
             </a:r>
           </a:p>
           <a:p>
-            <a:r>
-              <a:rPr lang="cs-CZ" dirty="0" err="1">
-                <a:ea typeface="Calibri"/>
-                <a:cs typeface="Calibri"/>
-              </a:rPr>
-              <a:t>Responzivnost</a:t>
-            </a:r>
+            <a:endParaRPr lang="cs-CZ" dirty="0">
+              <a:ea typeface="Calibri"/>
+              <a:cs typeface="Calibri"/>
+            </a:endParaRPr>
+          </a:p>
+          <a:p>
             <a:r>
               <a:rPr lang="cs-CZ" dirty="0">
                 <a:ea typeface="Calibri"/>
                 <a:cs typeface="Calibri"/>
               </a:rPr>
-              <a:t>??</a:t>
-            </a:r>
+              <a:t>3</a:t>
+            </a:r>
+          </a:p>
+          <a:p>
+            <a:endParaRPr lang="cs-CZ" dirty="0">
+              <a:ea typeface="Calibri"/>
+              <a:cs typeface="Calibri"/>
+            </a:endParaRPr>
           </a:p>
           <a:p>
             <a:r>
@@ -3532,7 +3764,7 @@
                 <a:ea typeface="Calibri"/>
                 <a:cs typeface="Calibri"/>
               </a:rPr>
-              <a:t>...</a:t>
+              <a:t>4</a:t>
             </a:r>
           </a:p>
         </p:txBody>
@@ -3550,7 +3782,7 @@
 </p:sld>
 </file>
 
-<file path=ppt/slides/slide13.xml><?xml version="1.0" encoding="utf-8"?>
+<file path=ppt/slides/slide15.xml><?xml version="1.0" encoding="utf-8"?>
 <p:sld xmlns:a="http://schemas.openxmlformats.org/drawingml/2006/main" xmlns:r="http://schemas.openxmlformats.org/officeDocument/2006/relationships" xmlns:p="http://schemas.openxmlformats.org/presentationml/2006/main">
   <p:cSld>
     <p:spTree>
@@ -3692,12 +3924,17 @@
           <a:p>
             <a:r>
               <a:rPr lang="cs-CZ" sz="3200" dirty="0">
+                <a:latin typeface="Calibri"/>
                 <a:ea typeface="Calibri Light"/>
                 <a:cs typeface="Calibri Light"/>
               </a:rPr>
               <a:t>Obsah prezentace</a:t>
             </a:r>
-            <a:endParaRPr lang="cs-CZ" sz="3200" dirty="0"/>
+            <a:endParaRPr lang="cs-CZ" sz="3200">
+              <a:latin typeface="Calibri"/>
+              <a:ea typeface="Calibri"/>
+              <a:cs typeface="Calibri"/>
+            </a:endParaRPr>
           </a:p>
         </p:txBody>
       </p:sp>
@@ -3719,8 +3956,8 @@
         </p:nvSpPr>
         <p:spPr>
           <a:xfrm>
-            <a:off x="5191512" y="618309"/>
-            <a:ext cx="5793134" cy="4945857"/>
+            <a:off x="6694635" y="2184062"/>
+            <a:ext cx="3684587" cy="2409337"/>
           </a:xfrm>
         </p:spPr>
         <p:txBody>
@@ -3760,7 +3997,7 @@
                 <a:ea typeface="Calibri" panose="020F0502020204030204"/>
                 <a:cs typeface="Calibri" panose="020F0502020204030204"/>
               </a:rPr>
-              <a:t>Implementace</a:t>
+              <a:t>Implementace aplikace</a:t>
             </a:r>
           </a:p>
           <a:p>
@@ -3782,7 +4019,7 @@
                 <a:ea typeface="Calibri" panose="020F0502020204030204"/>
                 <a:cs typeface="Calibri" panose="020F0502020204030204"/>
               </a:rPr>
-              <a:t>Možná rozšíření</a:t>
+              <a:t>Možné rozšíření aplikace</a:t>
             </a:r>
           </a:p>
         </p:txBody>
@@ -4057,7 +4294,7 @@
         </p:nvSpPr>
         <p:spPr>
           <a:xfrm>
-            <a:off x="302583" y="1374818"/>
+            <a:off x="396528" y="1500078"/>
             <a:ext cx="4597746" cy="3447832"/>
           </a:xfrm>
         </p:spPr>
@@ -4084,10 +4321,13 @@
               <a:buFont typeface="Calibri" panose="020B0604020202020204" pitchFamily="34" charset="0"/>
               <a:buChar char="-"/>
             </a:pPr>
-            <a:endParaRPr lang="cs-CZ" sz="2000">
-              <a:ea typeface="Calibri"/>
-              <a:cs typeface="Calibri"/>
-            </a:endParaRPr>
+            <a:r>
+              <a:rPr lang="cs-CZ" sz="2000" dirty="0">
+                <a:ea typeface="Calibri"/>
+                <a:cs typeface="Calibri"/>
+              </a:rPr>
+              <a:t>slouží k jednoduššímu pochopení systému</a:t>
+            </a:r>
           </a:p>
           <a:p>
             <a:pPr>
@@ -4099,30 +4339,7 @@
                 <a:ea typeface="Calibri"/>
                 <a:cs typeface="Calibri"/>
               </a:rPr>
-              <a:t>slouží k jednoduššímu pochopení systému</a:t>
-            </a:r>
-          </a:p>
-          <a:p>
-            <a:pPr>
-              <a:buFont typeface="Calibri" panose="020B0604020202020204" pitchFamily="34" charset="0"/>
-              <a:buChar char="-"/>
-            </a:pPr>
-            <a:endParaRPr lang="cs-CZ" sz="2000">
-              <a:ea typeface="Calibri"/>
-              <a:cs typeface="Calibri"/>
-            </a:endParaRPr>
-          </a:p>
-          <a:p>
-            <a:pPr>
-              <a:buFont typeface="Calibri" panose="020B0604020202020204" pitchFamily="34" charset="0"/>
-              <a:buChar char="-"/>
-            </a:pPr>
-            <a:r>
-              <a:rPr lang="cs-CZ" sz="2000" dirty="0">
-                <a:ea typeface="Calibri"/>
-                <a:cs typeface="Calibri"/>
-              </a:rPr>
-              <a:t>skládá se ze čtyř typů prvků</a:t>
+              <a:t>skládají se ze čtyř typů prvků</a:t>
             </a:r>
           </a:p>
         </p:txBody>
@@ -4149,8 +4366,8 @@
         </p:blipFill>
         <p:spPr>
           <a:xfrm>
-            <a:off x="5104358" y="968114"/>
-            <a:ext cx="6916129" cy="4564853"/>
+            <a:off x="4895591" y="968114"/>
+            <a:ext cx="6999635" cy="4617044"/>
           </a:xfrm>
           <a:prstGeom prst="rect">
             <a:avLst/>
@@ -4348,6 +4565,14 @@
 <file path=ppt/slides/slide4.xml><?xml version="1.0" encoding="utf-8"?>
 <p:sld xmlns:a="http://schemas.openxmlformats.org/drawingml/2006/main" xmlns:r="http://schemas.openxmlformats.org/officeDocument/2006/relationships" xmlns:p="http://schemas.openxmlformats.org/presentationml/2006/main">
   <p:cSld>
+    <p:bg>
+      <p:bgPr>
+        <a:solidFill>
+          <a:schemeClr val="bg1"/>
+        </a:solidFill>
+        <a:effectLst/>
+      </p:bgPr>
+    </p:bg>
     <p:spTree>
       <p:nvGrpSpPr>
         <p:cNvPr id="1" name=""/>
@@ -4380,22 +4605,24 @@
         </p:nvSpPr>
         <p:spPr>
           <a:xfrm>
-            <a:off x="523875" y="269875"/>
-            <a:ext cx="10515600" cy="1325563"/>
+            <a:off x="288009" y="411302"/>
+            <a:ext cx="5367004" cy="812450"/>
           </a:xfrm>
         </p:spPr>
         <p:txBody>
-          <a:bodyPr/>
-          <a:lstStyle/>
-          <a:p>
-            <a:r>
-              <a:rPr lang="cs-CZ" dirty="0">
+          <a:bodyPr anchor="b">
+            <a:normAutofit/>
+          </a:bodyPr>
+          <a:lstStyle/>
+          <a:p>
+            <a:r>
+              <a:rPr lang="cs-CZ" sz="3200">
                 <a:ea typeface="Calibri Light"/>
                 <a:cs typeface="Calibri Light"/>
               </a:rPr>
               <a:t>Diagramy datových toků  </a:t>
             </a:r>
-            <a:endParaRPr lang="cs-CZ" dirty="0"/>
+            <a:endParaRPr lang="cs-CZ" sz="3200"/>
           </a:p>
         </p:txBody>
       </p:sp>
@@ -4417,8 +4644,8 @@
         </p:nvSpPr>
         <p:spPr>
           <a:xfrm>
-            <a:off x="523875" y="1463675"/>
-            <a:ext cx="8620125" cy="4722813"/>
+            <a:off x="288010" y="1326960"/>
+            <a:ext cx="9982727" cy="5180992"/>
           </a:xfrm>
         </p:spPr>
         <p:txBody>
@@ -4431,23 +4658,19 @@
               <a:buNone/>
             </a:pPr>
             <a:r>
-              <a:rPr lang="cs-CZ" dirty="0">
+              <a:rPr lang="cs-CZ" sz="2000" dirty="0">
                 <a:ea typeface="Calibri"/>
                 <a:cs typeface="Calibri"/>
               </a:rPr>
               <a:t>Externí entita</a:t>
             </a:r>
-            <a:endParaRPr lang="cs-CZ">
-              <a:ea typeface="Calibri" panose="020F0502020204030204"/>
-              <a:cs typeface="Calibri" panose="020F0502020204030204"/>
-            </a:endParaRPr>
           </a:p>
           <a:p>
             <a:pPr marL="0" indent="0">
               <a:buNone/>
             </a:pPr>
             <a:r>
-              <a:rPr lang="cs-CZ" dirty="0">
+              <a:rPr lang="cs-CZ" sz="2000" dirty="0">
                 <a:ea typeface="Calibri"/>
                 <a:cs typeface="Calibri"/>
               </a:rPr>
@@ -4459,41 +4682,17 @@
               <a:buFont typeface="Calibri" panose="020B0604020202020204" pitchFamily="34" charset="0"/>
               <a:buChar char="-"/>
             </a:pPr>
-            <a:endParaRPr lang="cs-CZ" dirty="0">
+            <a:endParaRPr lang="cs-CZ" sz="2000" dirty="0">
               <a:ea typeface="Calibri"/>
               <a:cs typeface="Calibri"/>
             </a:endParaRPr>
-          </a:p>
-          <a:p>
-            <a:pPr marL="0" indent="0">
-              <a:buNone/>
-            </a:pPr>
-            <a:r>
-              <a:rPr lang="cs-CZ" dirty="0">
-                <a:ea typeface="Calibri"/>
-                <a:cs typeface="Calibri"/>
-              </a:rPr>
-              <a:t>Proces</a:t>
-            </a:r>
           </a:p>
           <a:p>
             <a:pPr marL="457200" indent="-457200">
               <a:buFont typeface="Calibri" panose="020B0604020202020204" pitchFamily="34" charset="0"/>
               <a:buChar char="-"/>
             </a:pPr>
-            <a:r>
-              <a:rPr lang="cs-CZ" dirty="0">
-                <a:ea typeface="Calibri"/>
-                <a:cs typeface="Calibri"/>
-              </a:rPr>
-              <a:t>popis procedur, které získají data z datových toků a tyto data zpracovávají</a:t>
-            </a:r>
-          </a:p>
-          <a:p>
-            <a:pPr marL="0" indent="0">
-              <a:buNone/>
-            </a:pPr>
-            <a:endParaRPr lang="cs-CZ" dirty="0">
+            <a:endParaRPr lang="cs-CZ" sz="2000" dirty="0">
               <a:ea typeface="Calibri"/>
               <a:cs typeface="Calibri"/>
             </a:endParaRPr>
@@ -4503,13 +4702,12 @@
               <a:buNone/>
             </a:pPr>
             <a:r>
-              <a:rPr lang="cs-CZ" dirty="0">
+              <a:rPr lang="cs-CZ" sz="2000" dirty="0">
                 <a:ea typeface="Calibri"/>
                 <a:cs typeface="Calibri"/>
               </a:rPr>
-              <a:t>Datové uložiště</a:t>
-            </a:r>
-            <a:endParaRPr lang="cs-CZ" dirty="0"/>
+              <a:t>Proces</a:t>
+            </a:r>
           </a:p>
           <a:p>
             <a:pPr marL="457200" indent="-457200">
@@ -4517,31 +4715,262 @@
               <a:buChar char="-"/>
             </a:pPr>
             <a:r>
-              <a:rPr lang="cs-CZ" dirty="0">
+              <a:rPr lang="cs-CZ" sz="2000" dirty="0">
                 <a:ea typeface="Calibri"/>
                 <a:cs typeface="Calibri"/>
               </a:rPr>
-              <a:t>popisují místa, kde jsou data v systému uložena</a:t>
-            </a:r>
+              <a:t>popisují procedury, které získají data z datových toků a tyto data zpracovávají</a:t>
+            </a:r>
+          </a:p>
+          <a:p>
+            <a:pPr marL="0" indent="0">
+              <a:buNone/>
+            </a:pPr>
+            <a:endParaRPr lang="cs-CZ" sz="2000" dirty="0">
+              <a:ea typeface="Calibri"/>
+              <a:cs typeface="Calibri"/>
+            </a:endParaRPr>
+          </a:p>
+          <a:p>
+            <a:pPr marL="0" indent="0">
+              <a:buNone/>
+            </a:pPr>
+            <a:endParaRPr lang="cs-CZ" sz="2000" dirty="0">
+              <a:ea typeface="Calibri"/>
+              <a:cs typeface="Calibri"/>
+            </a:endParaRPr>
+          </a:p>
+          <a:p>
+            <a:pPr marL="0" indent="0">
+              <a:buNone/>
+            </a:pPr>
+            <a:endParaRPr lang="cs-CZ" sz="2000" dirty="0">
+              <a:ea typeface="Calibri"/>
+              <a:cs typeface="Calibri"/>
+            </a:endParaRPr>
+          </a:p>
+          <a:p>
+            <a:pPr marL="0" indent="0">
+              <a:buNone/>
+            </a:pPr>
+            <a:r>
+              <a:rPr lang="cs-CZ" sz="2000" dirty="0">
+                <a:ea typeface="Calibri"/>
+                <a:cs typeface="Calibri"/>
+              </a:rPr>
+              <a:t>Datové uložiště</a:t>
+            </a:r>
+            <a:endParaRPr lang="cs-CZ" sz="2000">
+              <a:ea typeface="Calibri"/>
+              <a:cs typeface="Calibri"/>
+            </a:endParaRPr>
           </a:p>
           <a:p>
             <a:pPr marL="457200" indent="-457200">
               <a:buFont typeface="Calibri" panose="020B0604020202020204" pitchFamily="34" charset="0"/>
               <a:buChar char="-"/>
             </a:pPr>
-            <a:endParaRPr lang="cs-CZ" dirty="0">
+            <a:r>
+              <a:rPr lang="cs-CZ" sz="2000" dirty="0">
+                <a:ea typeface="Calibri"/>
+                <a:cs typeface="Calibri"/>
+              </a:rPr>
+              <a:t>popisují místa, kde jsou data v systému uložena</a:t>
+            </a:r>
+          </a:p>
+          <a:p>
+            <a:pPr marL="457200" indent="-457200">
+              <a:buFont typeface="Calibri" panose="020B0604020202020204" pitchFamily="34" charset="0"/>
+              <a:buChar char="-"/>
+            </a:pPr>
+            <a:endParaRPr lang="cs-CZ" sz="1600">
               <a:ea typeface="Calibri"/>
               <a:cs typeface="Calibri"/>
             </a:endParaRPr>
           </a:p>
         </p:txBody>
       </p:sp>
+      <p:grpSp>
+        <p:nvGrpSpPr>
+          <p:cNvPr id="11" name="Group 10">
+            <a:extLst>
+              <a:ext uri="{FF2B5EF4-FFF2-40B4-BE49-F238E27FC236}">
+                <a16:creationId xmlns:a16="http://schemas.microsoft.com/office/drawing/2014/main" id="{50A0A18D-98B4-40E5-4078-A318C9554788}"/>
+              </a:ext>
+              <a:ext uri="{C183D7F6-B498-43B3-948B-1728B52AA6E4}">
+                <adec:decorative xmlns:adec="http://schemas.microsoft.com/office/drawing/2017/decorative" val="1"/>
+              </a:ext>
+            </a:extLst>
+          </p:cNvPr>
+          <p:cNvGrpSpPr>
+            <a:grpSpLocks noGrp="1" noUngrp="1" noRot="1" noChangeAspect="1" noMove="1" noResize="1"/>
+          </p:cNvGrpSpPr>
+          <p:nvPr>
+            <p:extLst>
+              <p:ext uri="{386F3935-93C4-4BCD-93E2-E3B085C9AB24}">
+                <p16:designElem xmlns:p16="http://schemas.microsoft.com/office/powerpoint/2015/main" val="1"/>
+              </p:ext>
+            </p:extLst>
+          </p:nvPr>
+        </p:nvGrpSpPr>
+        <p:grpSpPr>
+          <a:xfrm>
+            <a:off x="1" y="6737460"/>
+            <a:ext cx="12192000" cy="123364"/>
+            <a:chOff x="1" y="6737460"/>
+            <a:chExt cx="12192000" cy="123364"/>
+          </a:xfrm>
+        </p:grpSpPr>
+        <p:sp>
+          <p:nvSpPr>
+            <p:cNvPr id="12" name="Rectangle 11">
+              <a:extLst>
+                <a:ext uri="{FF2B5EF4-FFF2-40B4-BE49-F238E27FC236}">
+                  <a16:creationId xmlns:a16="http://schemas.microsoft.com/office/drawing/2014/main" id="{B102A9A7-35A0-25BE-8907-0AB62C45418C}"/>
+                </a:ext>
+                <a:ext uri="{C183D7F6-B498-43B3-948B-1728B52AA6E4}">
+                  <adec:decorative xmlns:adec="http://schemas.microsoft.com/office/drawing/2017/decorative" val="1"/>
+                </a:ext>
+              </a:extLst>
+            </p:cNvPr>
+            <p:cNvSpPr/>
+            <p:nvPr>
+              <p:extLst>
+                <p:ext uri="{386F3935-93C4-4BCD-93E2-E3B085C9AB24}">
+                  <p16:designElem xmlns:p16="http://schemas.microsoft.com/office/powerpoint/2015/main" val="1"/>
+                </p:ext>
+              </p:extLst>
+            </p:nvPr>
+          </p:nvSpPr>
+          <p:spPr>
+            <a:xfrm rot="16200000">
+              <a:off x="6034320" y="703141"/>
+              <a:ext cx="123362" cy="12192000"/>
+            </a:xfrm>
+            <a:prstGeom prst="rect">
+              <a:avLst/>
+            </a:prstGeom>
+            <a:gradFill>
+              <a:gsLst>
+                <a:gs pos="0">
+                  <a:schemeClr val="accent2"/>
+                </a:gs>
+                <a:gs pos="100000">
+                  <a:schemeClr val="accent5"/>
+                </a:gs>
+              </a:gsLst>
+              <a:lin ang="1800000" scaled="0"/>
+            </a:gradFill>
+            <a:ln>
+              <a:noFill/>
+            </a:ln>
+          </p:spPr>
+          <p:style>
+            <a:lnRef idx="2">
+              <a:schemeClr val="accent1">
+                <a:shade val="50000"/>
+              </a:schemeClr>
+            </a:lnRef>
+            <a:fillRef idx="1">
+              <a:schemeClr val="accent1"/>
+            </a:fillRef>
+            <a:effectRef idx="0">
+              <a:schemeClr val="accent1"/>
+            </a:effectRef>
+            <a:fontRef idx="minor">
+              <a:schemeClr val="lt1"/>
+            </a:fontRef>
+          </p:style>
+          <p:txBody>
+            <a:bodyPr rtlCol="0" anchor="ctr"/>
+            <a:lstStyle/>
+            <a:p>
+              <a:pPr algn="ctr"/>
+              <a:endParaRPr lang="en-US"/>
+            </a:p>
+          </p:txBody>
+        </p:sp>
+        <p:sp>
+          <p:nvSpPr>
+            <p:cNvPr id="13" name="Rectangle 12">
+              <a:extLst>
+                <a:ext uri="{FF2B5EF4-FFF2-40B4-BE49-F238E27FC236}">
+                  <a16:creationId xmlns:a16="http://schemas.microsoft.com/office/drawing/2014/main" id="{728BDF14-9776-769C-B15E-E2D6BA4DC828}"/>
+                </a:ext>
+                <a:ext uri="{C183D7F6-B498-43B3-948B-1728B52AA6E4}">
+                  <adec:decorative xmlns:adec="http://schemas.microsoft.com/office/drawing/2017/decorative" val="1"/>
+                </a:ext>
+              </a:extLst>
+            </p:cNvPr>
+            <p:cNvSpPr/>
+            <p:nvPr>
+              <p:extLst>
+                <p:ext uri="{386F3935-93C4-4BCD-93E2-E3B085C9AB24}">
+                  <p16:designElem xmlns:p16="http://schemas.microsoft.com/office/powerpoint/2015/main" val="1"/>
+                </p:ext>
+              </p:extLst>
+            </p:nvPr>
+          </p:nvSpPr>
+          <p:spPr>
+            <a:xfrm rot="16200000">
+              <a:off x="10240559" y="4909383"/>
+              <a:ext cx="123362" cy="3779520"/>
+            </a:xfrm>
+            <a:prstGeom prst="rect">
+              <a:avLst/>
+            </a:prstGeom>
+            <a:gradFill>
+              <a:gsLst>
+                <a:gs pos="19000">
+                  <a:schemeClr val="accent5">
+                    <a:alpha val="0"/>
+                  </a:schemeClr>
+                </a:gs>
+                <a:gs pos="100000">
+                  <a:schemeClr val="accent5">
+                    <a:lumMod val="60000"/>
+                    <a:lumOff val="40000"/>
+                  </a:schemeClr>
+                </a:gs>
+              </a:gsLst>
+              <a:lin ang="600000" scaled="0"/>
+            </a:gradFill>
+            <a:ln>
+              <a:noFill/>
+            </a:ln>
+          </p:spPr>
+          <p:style>
+            <a:lnRef idx="2">
+              <a:schemeClr val="accent1">
+                <a:shade val="50000"/>
+              </a:schemeClr>
+            </a:lnRef>
+            <a:fillRef idx="1">
+              <a:schemeClr val="accent1"/>
+            </a:fillRef>
+            <a:effectRef idx="0">
+              <a:schemeClr val="accent1"/>
+            </a:effectRef>
+            <a:fontRef idx="minor">
+              <a:schemeClr val="lt1"/>
+            </a:fontRef>
+          </p:style>
+          <p:txBody>
+            <a:bodyPr rtlCol="0" anchor="ctr"/>
+            <a:lstStyle/>
+            <a:p>
+              <a:pPr algn="ctr"/>
+              <a:endParaRPr lang="en-US"/>
+            </a:p>
+          </p:txBody>
+        </p:sp>
+      </p:grpSp>
       <p:pic>
         <p:nvPicPr>
-          <p:cNvPr id="4" name="Obrázek 3" descr="Obsah obrázku text, rukopis, Písmo, kaligrafie&#10;&#10;Popis se vygeneroval automaticky.">
+          <p:cNvPr id="4" name="Obrázek 3" descr="Obsah obrázku text, Písmo, bílé, snímek obrazovky&#10;&#10;Popis se vygeneroval automaticky.">
             <a:extLst>
               <a:ext uri="{FF2B5EF4-FFF2-40B4-BE49-F238E27FC236}">
-                <a16:creationId xmlns:a16="http://schemas.microsoft.com/office/drawing/2014/main" id="{2D0BDA10-9974-C6F8-0F09-A6B2D96D82FA}"/>
+                <a16:creationId xmlns:a16="http://schemas.microsoft.com/office/drawing/2014/main" id="{689FB1B1-C968-505D-C1F4-DB8407CC801E}"/>
               </a:ext>
             </a:extLst>
           </p:cNvPr>
@@ -4558,8 +4987,8 @@
         </p:blipFill>
         <p:spPr>
           <a:xfrm>
-            <a:off x="9212763" y="1052317"/>
-            <a:ext cx="2428875" cy="1390650"/>
+            <a:off x="9517257" y="904137"/>
+            <a:ext cx="1672625" cy="1062666"/>
           </a:xfrm>
           <a:prstGeom prst="rect">
             <a:avLst/>
@@ -4568,10 +4997,10 @@
       </p:pic>
       <p:pic>
         <p:nvPicPr>
-          <p:cNvPr id="5" name="Obrázek 4" descr="Obsah obrázku rukopis, text, kaligrafie, Písmo&#10;&#10;Popis se vygeneroval automaticky.">
+          <p:cNvPr id="5" name="Obrázek 4" descr="Obsah obrázku Písmo, kruh, bílé, design&#10;&#10;Popis se vygeneroval automaticky.">
             <a:extLst>
               <a:ext uri="{FF2B5EF4-FFF2-40B4-BE49-F238E27FC236}">
-                <a16:creationId xmlns:a16="http://schemas.microsoft.com/office/drawing/2014/main" id="{2BAB31FE-5019-9FB3-D07E-6A579975210C}"/>
+                <a16:creationId xmlns:a16="http://schemas.microsoft.com/office/drawing/2014/main" id="{FF6AB22E-8E07-043E-950C-75394E3DE7E9}"/>
               </a:ext>
             </a:extLst>
           </p:cNvPr>
@@ -4588,8 +5017,8 @@
         </p:blipFill>
         <p:spPr>
           <a:xfrm>
-            <a:off x="9173488" y="2994503"/>
-            <a:ext cx="2514600" cy="1419225"/>
+            <a:off x="9614964" y="2831861"/>
+            <a:ext cx="1667658" cy="1705758"/>
           </a:xfrm>
           <a:prstGeom prst="rect">
             <a:avLst/>
@@ -4598,10 +5027,10 @@
       </p:pic>
       <p:pic>
         <p:nvPicPr>
-          <p:cNvPr id="6" name="Obrázek 5" descr="Obsah obrázku rukopis, Písmo, kaligrafie, kresba&#10;&#10;Popis se vygeneroval automaticky.">
+          <p:cNvPr id="6" name="Obrázek 5" descr="Obsah obrázku text, Písmo, snímek obrazovky, logo&#10;&#10;Popis se vygeneroval automaticky.">
             <a:extLst>
               <a:ext uri="{FF2B5EF4-FFF2-40B4-BE49-F238E27FC236}">
-                <a16:creationId xmlns:a16="http://schemas.microsoft.com/office/drawing/2014/main" id="{3FB7272D-7861-F35B-AC67-B9FFEB613179}"/>
+                <a16:creationId xmlns:a16="http://schemas.microsoft.com/office/drawing/2014/main" id="{C607AA06-2C4A-C567-C200-B1B2B8E73512}"/>
               </a:ext>
             </a:extLst>
           </p:cNvPr>
@@ -4618,8 +5047,8 @@
         </p:blipFill>
         <p:spPr>
           <a:xfrm>
-            <a:off x="9209892" y="4985489"/>
-            <a:ext cx="2514600" cy="1419225"/>
+            <a:off x="9307099" y="5107944"/>
+            <a:ext cx="2095500" cy="619125"/>
           </a:xfrm>
           <a:prstGeom prst="rect">
             <a:avLst/>
@@ -4642,6 +5071,14 @@
 <file path=ppt/slides/slide5.xml><?xml version="1.0" encoding="utf-8"?>
 <p:sld xmlns:a="http://schemas.openxmlformats.org/drawingml/2006/main" xmlns:r="http://schemas.openxmlformats.org/officeDocument/2006/relationships" xmlns:p="http://schemas.openxmlformats.org/presentationml/2006/main">
   <p:cSld>
+    <p:bg>
+      <p:bgPr>
+        <a:solidFill>
+          <a:schemeClr val="bg1"/>
+        </a:solidFill>
+        <a:effectLst/>
+      </p:bgPr>
+    </p:bg>
     <p:spTree>
       <p:nvGrpSpPr>
         <p:cNvPr id="1" name=""/>
@@ -4674,28 +5111,26 @@
         </p:nvSpPr>
         <p:spPr>
           <a:xfrm>
-            <a:off x="523875" y="565150"/>
-            <a:ext cx="10515600" cy="1325563"/>
+            <a:off x="166096" y="140890"/>
+            <a:ext cx="5000313" cy="1630580"/>
           </a:xfrm>
         </p:spPr>
         <p:txBody>
-          <a:bodyPr/>
-          <a:lstStyle/>
-          <a:p>
-            <a:r>
-              <a:rPr lang="cs-CZ" dirty="0">
+          <a:bodyPr anchor="b">
+            <a:normAutofit/>
+          </a:bodyPr>
+          <a:lstStyle/>
+          <a:p>
+            <a:r>
+              <a:rPr lang="cs-CZ" sz="3200">
                 <a:ea typeface="Calibri Light"/>
                 <a:cs typeface="Calibri Light"/>
               </a:rPr>
               <a:t>Diagramy datových toků  </a:t>
             </a:r>
-            <a:endParaRPr lang="cs-CZ">
-              <a:ea typeface="Calibri Light"/>
-              <a:cs typeface="Calibri Light"/>
-            </a:endParaRPr>
-          </a:p>
-          <a:p>
-            <a:endParaRPr lang="cs-CZ" dirty="0">
+          </a:p>
+          <a:p>
+            <a:endParaRPr lang="cs-CZ" sz="3200">
               <a:ea typeface="Calibri Light"/>
               <a:cs typeface="Calibri Light"/>
             </a:endParaRPr>
@@ -4720,8 +5155,8 @@
         </p:nvSpPr>
         <p:spPr>
           <a:xfrm>
-            <a:off x="525049" y="1491598"/>
-            <a:ext cx="10515600" cy="4351338"/>
+            <a:off x="976152" y="2289455"/>
+            <a:ext cx="4597746" cy="3447832"/>
           </a:xfrm>
         </p:spPr>
         <p:txBody>
@@ -4734,7 +5169,7 @@
               <a:buNone/>
             </a:pPr>
             <a:r>
-              <a:rPr lang="cs-CZ" dirty="0">
+              <a:rPr lang="cs-CZ" sz="2000" dirty="0">
                 <a:ea typeface="Calibri" panose="020F0502020204030204"/>
                 <a:cs typeface="Calibri" panose="020F0502020204030204"/>
               </a:rPr>
@@ -4747,11 +5182,11 @@
               <a:buChar char="-"/>
             </a:pPr>
             <a:r>
-              <a:rPr lang="cs-CZ" dirty="0">
+              <a:rPr lang="cs-CZ" sz="2000" dirty="0">
                 <a:ea typeface="Calibri" panose="020F0502020204030204"/>
                 <a:cs typeface="Calibri" panose="020F0502020204030204"/>
               </a:rPr>
-              <a:t>Popisují toky dat v systému</a:t>
+              <a:t>popisují toky dat v systému</a:t>
             </a:r>
           </a:p>
           <a:p>
@@ -4759,22 +5194,208 @@
               <a:buFont typeface="Calibri" panose="020B0604020202020204" pitchFamily="34" charset="0"/>
               <a:buChar char="-"/>
             </a:pPr>
-            <a:r>
-              <a:rPr lang="cs-CZ" dirty="0">
+            <a:endParaRPr lang="cs-CZ" sz="2000" dirty="0">
+              <a:ea typeface="Calibri" panose="020F0502020204030204"/>
+              <a:cs typeface="Calibri" panose="020F0502020204030204"/>
+            </a:endParaRPr>
+          </a:p>
+          <a:p>
+            <a:pPr marL="457200" indent="-457200">
+              <a:buFont typeface="Calibri" panose="020B0604020202020204" pitchFamily="34" charset="0"/>
+              <a:buChar char="-"/>
+            </a:pPr>
+            <a:r>
+              <a:rPr lang="cs-CZ" sz="2000" dirty="0">
                 <a:ea typeface="Calibri" panose="020F0502020204030204"/>
                 <a:cs typeface="Calibri" panose="020F0502020204030204"/>
               </a:rPr>
-              <a:t>Směr toku dat je reprezentován orientací šipky</a:t>
-            </a:r>
-          </a:p>
-        </p:txBody>
-      </p:sp>
+              <a:t>směr toku dat je reprezentován orientací šipky</a:t>
+            </a:r>
+            <a:endParaRPr lang="cs-CZ"/>
+          </a:p>
+        </p:txBody>
+      </p:sp>
+      <p:grpSp>
+        <p:nvGrpSpPr>
+          <p:cNvPr id="9" name="Group 8">
+            <a:extLst>
+              <a:ext uri="{FF2B5EF4-FFF2-40B4-BE49-F238E27FC236}">
+                <a16:creationId xmlns:a16="http://schemas.microsoft.com/office/drawing/2014/main" id="{1FD67D68-9B83-C338-8342-3348D8F22347}"/>
+              </a:ext>
+              <a:ext uri="{C183D7F6-B498-43B3-948B-1728B52AA6E4}">
+                <adec:decorative xmlns:adec="http://schemas.microsoft.com/office/drawing/2017/decorative" val="1"/>
+              </a:ext>
+            </a:extLst>
+          </p:cNvPr>
+          <p:cNvGrpSpPr>
+            <a:grpSpLocks noGrp="1" noUngrp="1" noRot="1" noChangeAspect="1" noMove="1" noResize="1"/>
+          </p:cNvGrpSpPr>
+          <p:nvPr>
+            <p:extLst>
+              <p:ext uri="{386F3935-93C4-4BCD-93E2-E3B085C9AB24}">
+                <p16:designElem xmlns:p16="http://schemas.microsoft.com/office/powerpoint/2015/main" val="1"/>
+              </p:ext>
+            </p:extLst>
+          </p:nvPr>
+        </p:nvGrpSpPr>
+        <p:grpSpPr>
+          <a:xfrm>
+            <a:off x="-5025" y="6737718"/>
+            <a:ext cx="12207200" cy="123363"/>
+            <a:chOff x="-5025" y="6737718"/>
+            <a:chExt cx="12207200" cy="123363"/>
+          </a:xfrm>
+        </p:grpSpPr>
+        <p:sp>
+          <p:nvSpPr>
+            <p:cNvPr id="10" name="Rectangle 9">
+              <a:extLst>
+                <a:ext uri="{FF2B5EF4-FFF2-40B4-BE49-F238E27FC236}">
+                  <a16:creationId xmlns:a16="http://schemas.microsoft.com/office/drawing/2014/main" id="{1E397F34-6B84-0D3B-0F29-B1D134B3B885}"/>
+                </a:ext>
+                <a:ext uri="{C183D7F6-B498-43B3-948B-1728B52AA6E4}">
+                  <adec:decorative xmlns:adec="http://schemas.microsoft.com/office/drawing/2017/decorative" val="1"/>
+                </a:ext>
+              </a:extLst>
+            </p:cNvPr>
+            <p:cNvSpPr/>
+            <p:nvPr>
+              <p:extLst>
+                <p:ext uri="{386F3935-93C4-4BCD-93E2-E3B085C9AB24}">
+                  <p16:designElem xmlns:p16="http://schemas.microsoft.com/office/powerpoint/2015/main" val="1"/>
+                </p:ext>
+              </p:extLst>
+            </p:nvPr>
+          </p:nvSpPr>
+          <p:spPr>
+            <a:xfrm rot="5400000" flipH="1">
+              <a:off x="6036894" y="695800"/>
+              <a:ext cx="123362" cy="12207199"/>
+            </a:xfrm>
+            <a:prstGeom prst="rect">
+              <a:avLst/>
+            </a:prstGeom>
+            <a:gradFill>
+              <a:gsLst>
+                <a:gs pos="0">
+                  <a:schemeClr val="accent5"/>
+                </a:gs>
+                <a:gs pos="100000">
+                  <a:schemeClr val="accent2"/>
+                </a:gs>
+              </a:gsLst>
+              <a:lin ang="1800000" scaled="0"/>
+            </a:gradFill>
+            <a:ln>
+              <a:noFill/>
+            </a:ln>
+          </p:spPr>
+          <p:style>
+            <a:lnRef idx="2">
+              <a:schemeClr val="accent1">
+                <a:shade val="50000"/>
+              </a:schemeClr>
+            </a:lnRef>
+            <a:fillRef idx="1">
+              <a:schemeClr val="accent1"/>
+            </a:fillRef>
+            <a:effectRef idx="0">
+              <a:schemeClr val="accent1"/>
+            </a:effectRef>
+            <a:fontRef idx="minor">
+              <a:schemeClr val="lt1"/>
+            </a:fontRef>
+          </p:style>
+          <p:txBody>
+            <a:bodyPr rtlCol="0" anchor="ctr"/>
+            <a:lstStyle/>
+            <a:p>
+              <a:pPr algn="ctr"/>
+              <a:endParaRPr lang="en-US"/>
+            </a:p>
+          </p:txBody>
+        </p:sp>
+        <p:sp>
+          <p:nvSpPr>
+            <p:cNvPr id="11" name="Rectangle 10">
+              <a:extLst>
+                <a:ext uri="{FF2B5EF4-FFF2-40B4-BE49-F238E27FC236}">
+                  <a16:creationId xmlns:a16="http://schemas.microsoft.com/office/drawing/2014/main" id="{9BD98075-BFC1-BE9C-7FB7-23FE55E43393}"/>
+                </a:ext>
+                <a:ext uri="{C183D7F6-B498-43B3-948B-1728B52AA6E4}">
+                  <adec:decorative xmlns:adec="http://schemas.microsoft.com/office/drawing/2017/decorative" val="1"/>
+                </a:ext>
+              </a:extLst>
+            </p:cNvPr>
+            <p:cNvSpPr/>
+            <p:nvPr>
+              <p:extLst>
+                <p:ext uri="{386F3935-93C4-4BCD-93E2-E3B085C9AB24}">
+                  <p16:designElem xmlns:p16="http://schemas.microsoft.com/office/powerpoint/2015/main" val="1"/>
+                </p:ext>
+              </p:extLst>
+            </p:nvPr>
+          </p:nvSpPr>
+          <p:spPr>
+            <a:xfrm rot="16200000">
+              <a:off x="9176406" y="3835311"/>
+              <a:ext cx="123362" cy="5928176"/>
+            </a:xfrm>
+            <a:prstGeom prst="rect">
+              <a:avLst/>
+            </a:prstGeom>
+            <a:gradFill>
+              <a:gsLst>
+                <a:gs pos="19000">
+                  <a:schemeClr val="accent5">
+                    <a:alpha val="0"/>
+                  </a:schemeClr>
+                </a:gs>
+                <a:gs pos="100000">
+                  <a:schemeClr val="accent5">
+                    <a:lumMod val="60000"/>
+                    <a:lumOff val="40000"/>
+                  </a:schemeClr>
+                </a:gs>
+              </a:gsLst>
+              <a:lin ang="600000" scaled="0"/>
+            </a:gradFill>
+            <a:ln>
+              <a:noFill/>
+            </a:ln>
+          </p:spPr>
+          <p:style>
+            <a:lnRef idx="2">
+              <a:schemeClr val="accent1">
+                <a:shade val="50000"/>
+              </a:schemeClr>
+            </a:lnRef>
+            <a:fillRef idx="1">
+              <a:schemeClr val="accent1"/>
+            </a:fillRef>
+            <a:effectRef idx="0">
+              <a:schemeClr val="accent1"/>
+            </a:effectRef>
+            <a:fontRef idx="minor">
+              <a:schemeClr val="lt1"/>
+            </a:fontRef>
+          </p:style>
+          <p:txBody>
+            <a:bodyPr rtlCol="0" anchor="ctr"/>
+            <a:lstStyle/>
+            <a:p>
+              <a:pPr algn="ctr"/>
+              <a:endParaRPr lang="en-US"/>
+            </a:p>
+          </p:txBody>
+        </p:sp>
+      </p:grpSp>
       <p:pic>
         <p:nvPicPr>
-          <p:cNvPr id="4" name="Obrázek 3" descr="Obsah obrázku rukopis, text, Písmo, kaligrafie&#10;&#10;Popis se vygeneroval automaticky.">
+          <p:cNvPr id="4" name="Obrázek 3" descr="Obsah obrázku text, Písmo, diagram, bílé&#10;&#10;Popis se vygeneroval automaticky.">
             <a:extLst>
               <a:ext uri="{FF2B5EF4-FFF2-40B4-BE49-F238E27FC236}">
-                <a16:creationId xmlns:a16="http://schemas.microsoft.com/office/drawing/2014/main" id="{43BEA8F9-D128-5AE4-2A11-77AB66A3D2D4}"/>
+                <a16:creationId xmlns:a16="http://schemas.microsoft.com/office/drawing/2014/main" id="{FF6CEB0E-B4E1-F6D2-4088-7717EAB73C2D}"/>
               </a:ext>
             </a:extLst>
           </p:cNvPr>
@@ -4791,8 +5412,8 @@
         </p:blipFill>
         <p:spPr>
           <a:xfrm>
-            <a:off x="7235347" y="3804910"/>
-            <a:ext cx="4958871" cy="2787693"/>
+            <a:off x="6533836" y="1483897"/>
+            <a:ext cx="4866017" cy="3885482"/>
           </a:xfrm>
           <a:prstGeom prst="rect">
             <a:avLst/>
@@ -4845,7 +5466,12 @@
             <p:ph type="title"/>
           </p:nvPr>
         </p:nvSpPr>
-        <p:spPr/>
+        <p:spPr>
+          <a:xfrm>
+            <a:off x="702501" y="344248"/>
+            <a:ext cx="10515600" cy="1325563"/>
+          </a:xfrm>
+        </p:spPr>
         <p:txBody>
           <a:bodyPr/>
           <a:lstStyle/>
@@ -4877,7 +5503,12 @@
             <p:ph idx="1"/>
           </p:nvPr>
         </p:nvSpPr>
-        <p:spPr/>
+        <p:spPr>
+          <a:xfrm>
+            <a:off x="7644008" y="1836063"/>
+            <a:ext cx="3981190" cy="4351338"/>
+          </a:xfrm>
+        </p:spPr>
         <p:txBody>
           <a:bodyPr vert="horz" lIns="91440" tIns="45720" rIns="91440" bIns="45720" rtlCol="0" anchor="t">
             <a:normAutofit/>
@@ -4905,7 +5536,7 @@
                 <a:ea typeface="Calibri"/>
                 <a:cs typeface="Calibri"/>
               </a:rPr>
-              <a:t>přidání prvků              // TODO: upravit rozdělení</a:t>
+              <a:t>Přidání prvku</a:t>
             </a:r>
           </a:p>
           <a:p>
@@ -4918,7 +5549,7 @@
                 <a:ea typeface="Calibri"/>
                 <a:cs typeface="Calibri"/>
               </a:rPr>
-              <a:t>smazání prvků</a:t>
+              <a:t>smazání prvku</a:t>
             </a:r>
           </a:p>
           <a:p>
@@ -4960,7 +5591,7 @@
                 <a:ea typeface="Calibri"/>
                 <a:cs typeface="Calibri"/>
               </a:rPr>
-              <a:t>Propojení prvků šipkou</a:t>
+              <a:t>Propojení prvků</a:t>
             </a:r>
           </a:p>
           <a:p>
@@ -4973,41 +5604,224 @@
                 <a:ea typeface="Calibri"/>
                 <a:cs typeface="Calibri"/>
               </a:rPr>
-              <a:t>Pohyb šipky</a:t>
-            </a:r>
+              <a:t>Pohyb propojení</a:t>
+            </a:r>
+            <a:endParaRPr lang="cs-CZ" dirty="0"/>
           </a:p>
           <a:p>
             <a:pPr marL="457200" indent="-457200">
               <a:buFont typeface="Calibri" panose="020B0604020202020204" pitchFamily="34" charset="0"/>
               <a:buChar char="-"/>
             </a:pPr>
-            <a:r>
-              <a:rPr lang="cs-CZ" sz="2100" err="1">
+            <a:endParaRPr lang="cs-CZ" sz="2100" dirty="0">
+              <a:ea typeface="Calibri"/>
+              <a:cs typeface="Calibri"/>
+            </a:endParaRPr>
+          </a:p>
+        </p:txBody>
+      </p:sp>
+      <p:sp>
+        <p:nvSpPr>
+          <p:cNvPr id="5" name="Zástupný obsah 2">
+            <a:extLst>
+              <a:ext uri="{FF2B5EF4-FFF2-40B4-BE49-F238E27FC236}">
+                <a16:creationId xmlns:a16="http://schemas.microsoft.com/office/drawing/2014/main" id="{DEEF226E-5A26-F642-45CD-F835D762D415}"/>
+              </a:ext>
+            </a:extLst>
+          </p:cNvPr>
+          <p:cNvSpPr txBox="1">
+            <a:spLocks/>
+          </p:cNvSpPr>
+          <p:nvPr/>
+        </p:nvSpPr>
+        <p:spPr>
+          <a:xfrm>
+            <a:off x="698327" y="1925834"/>
+            <a:ext cx="3981190" cy="4351338"/>
+          </a:xfrm>
+          <a:prstGeom prst="rect">
+            <a:avLst/>
+          </a:prstGeom>
+        </p:spPr>
+        <p:txBody>
+          <a:bodyPr vert="horz" lIns="91440" tIns="45720" rIns="91440" bIns="45720" rtlCol="0" anchor="t">
+            <a:normAutofit/>
+          </a:bodyPr>
+          <a:lstStyle>
+            <a:lvl1pPr marL="228600" indent="-228600" algn="l" defTabSz="914400" rtl="0" eaLnBrk="1" latinLnBrk="0" hangingPunct="1">
+              <a:lnSpc>
+                <a:spcPct val="90000"/>
+              </a:lnSpc>
+              <a:spcBef>
+                <a:spcPts val="1000"/>
+              </a:spcBef>
+              <a:buFont typeface="Arial" panose="020B0604020202020204" pitchFamily="34" charset="0"/>
+              <a:buChar char="•"/>
+              <a:defRPr sz="2800" kern="1200">
+                <a:solidFill>
+                  <a:schemeClr val="tx1"/>
+                </a:solidFill>
+                <a:latin typeface="+mn-lt"/>
+                <a:ea typeface="+mn-ea"/>
+                <a:cs typeface="+mn-cs"/>
+              </a:defRPr>
+            </a:lvl1pPr>
+            <a:lvl2pPr marL="685800" indent="-228600" algn="l" defTabSz="914400" rtl="0" eaLnBrk="1" latinLnBrk="0" hangingPunct="1">
+              <a:lnSpc>
+                <a:spcPct val="90000"/>
+              </a:lnSpc>
+              <a:spcBef>
+                <a:spcPts val="500"/>
+              </a:spcBef>
+              <a:buFont typeface="Arial" panose="020B0604020202020204" pitchFamily="34" charset="0"/>
+              <a:buChar char="•"/>
+              <a:defRPr sz="2400" kern="1200">
+                <a:solidFill>
+                  <a:schemeClr val="tx1"/>
+                </a:solidFill>
+                <a:latin typeface="+mn-lt"/>
+                <a:ea typeface="+mn-ea"/>
+                <a:cs typeface="+mn-cs"/>
+              </a:defRPr>
+            </a:lvl2pPr>
+            <a:lvl3pPr marL="1143000" indent="-228600" algn="l" defTabSz="914400" rtl="0" eaLnBrk="1" latinLnBrk="0" hangingPunct="1">
+              <a:lnSpc>
+                <a:spcPct val="90000"/>
+              </a:lnSpc>
+              <a:spcBef>
+                <a:spcPts val="500"/>
+              </a:spcBef>
+              <a:buFont typeface="Arial" panose="020B0604020202020204" pitchFamily="34" charset="0"/>
+              <a:buChar char="•"/>
+              <a:defRPr sz="2000" kern="1200">
+                <a:solidFill>
+                  <a:schemeClr val="tx1"/>
+                </a:solidFill>
+                <a:latin typeface="+mn-lt"/>
+                <a:ea typeface="+mn-ea"/>
+                <a:cs typeface="+mn-cs"/>
+              </a:defRPr>
+            </a:lvl3pPr>
+            <a:lvl4pPr marL="1600200" indent="-228600" algn="l" defTabSz="914400" rtl="0" eaLnBrk="1" latinLnBrk="0" hangingPunct="1">
+              <a:lnSpc>
+                <a:spcPct val="90000"/>
+              </a:lnSpc>
+              <a:spcBef>
+                <a:spcPts val="500"/>
+              </a:spcBef>
+              <a:buFont typeface="Arial" panose="020B0604020202020204" pitchFamily="34" charset="0"/>
+              <a:buChar char="•"/>
+              <a:defRPr sz="1800" kern="1200">
+                <a:solidFill>
+                  <a:schemeClr val="tx1"/>
+                </a:solidFill>
+                <a:latin typeface="+mn-lt"/>
+                <a:ea typeface="+mn-ea"/>
+                <a:cs typeface="+mn-cs"/>
+              </a:defRPr>
+            </a:lvl4pPr>
+            <a:lvl5pPr marL="2057400" indent="-228600" algn="l" defTabSz="914400" rtl="0" eaLnBrk="1" latinLnBrk="0" hangingPunct="1">
+              <a:lnSpc>
+                <a:spcPct val="90000"/>
+              </a:lnSpc>
+              <a:spcBef>
+                <a:spcPts val="500"/>
+              </a:spcBef>
+              <a:buFont typeface="Arial" panose="020B0604020202020204" pitchFamily="34" charset="0"/>
+              <a:buChar char="•"/>
+              <a:defRPr sz="1800" kern="1200">
+                <a:solidFill>
+                  <a:schemeClr val="tx1"/>
+                </a:solidFill>
+                <a:latin typeface="+mn-lt"/>
+                <a:ea typeface="+mn-ea"/>
+                <a:cs typeface="+mn-cs"/>
+              </a:defRPr>
+            </a:lvl5pPr>
+            <a:lvl6pPr marL="2514600" indent="-228600" algn="l" defTabSz="914400" rtl="0" eaLnBrk="1" latinLnBrk="0" hangingPunct="1">
+              <a:lnSpc>
+                <a:spcPct val="90000"/>
+              </a:lnSpc>
+              <a:spcBef>
+                <a:spcPts val="500"/>
+              </a:spcBef>
+              <a:buFont typeface="Arial" panose="020B0604020202020204" pitchFamily="34" charset="0"/>
+              <a:buChar char="•"/>
+              <a:defRPr sz="1800" kern="1200">
+                <a:solidFill>
+                  <a:schemeClr val="tx1"/>
+                </a:solidFill>
+                <a:latin typeface="+mn-lt"/>
+                <a:ea typeface="+mn-ea"/>
+                <a:cs typeface="+mn-cs"/>
+              </a:defRPr>
+            </a:lvl6pPr>
+            <a:lvl7pPr marL="2971800" indent="-228600" algn="l" defTabSz="914400" rtl="0" eaLnBrk="1" latinLnBrk="0" hangingPunct="1">
+              <a:lnSpc>
+                <a:spcPct val="90000"/>
+              </a:lnSpc>
+              <a:spcBef>
+                <a:spcPts val="500"/>
+              </a:spcBef>
+              <a:buFont typeface="Arial" panose="020B0604020202020204" pitchFamily="34" charset="0"/>
+              <a:buChar char="•"/>
+              <a:defRPr sz="1800" kern="1200">
+                <a:solidFill>
+                  <a:schemeClr val="tx1"/>
+                </a:solidFill>
+                <a:latin typeface="+mn-lt"/>
+                <a:ea typeface="+mn-ea"/>
+                <a:cs typeface="+mn-cs"/>
+              </a:defRPr>
+            </a:lvl7pPr>
+            <a:lvl8pPr marL="3429000" indent="-228600" algn="l" defTabSz="914400" rtl="0" eaLnBrk="1" latinLnBrk="0" hangingPunct="1">
+              <a:lnSpc>
+                <a:spcPct val="90000"/>
+              </a:lnSpc>
+              <a:spcBef>
+                <a:spcPts val="500"/>
+              </a:spcBef>
+              <a:buFont typeface="Arial" panose="020B0604020202020204" pitchFamily="34" charset="0"/>
+              <a:buChar char="•"/>
+              <a:defRPr sz="1800" kern="1200">
+                <a:solidFill>
+                  <a:schemeClr val="tx1"/>
+                </a:solidFill>
+                <a:latin typeface="+mn-lt"/>
+                <a:ea typeface="+mn-ea"/>
+                <a:cs typeface="+mn-cs"/>
+              </a:defRPr>
+            </a:lvl8pPr>
+            <a:lvl9pPr marL="3886200" indent="-228600" algn="l" defTabSz="914400" rtl="0" eaLnBrk="1" latinLnBrk="0" hangingPunct="1">
+              <a:lnSpc>
+                <a:spcPct val="90000"/>
+              </a:lnSpc>
+              <a:spcBef>
+                <a:spcPts val="500"/>
+              </a:spcBef>
+              <a:buFont typeface="Arial" panose="020B0604020202020204" pitchFamily="34" charset="0"/>
+              <a:buChar char="•"/>
+              <a:defRPr sz="1800" kern="1200">
+                <a:solidFill>
+                  <a:schemeClr val="tx1"/>
+                </a:solidFill>
+                <a:latin typeface="+mn-lt"/>
+                <a:ea typeface="+mn-ea"/>
+                <a:cs typeface="+mn-cs"/>
+              </a:defRPr>
+            </a:lvl9pPr>
+          </a:lstStyle>
+          <a:p>
+            <a:pPr marL="0" indent="0">
+              <a:buFont typeface="Arial" panose="020B0604020202020204" pitchFamily="34" charset="0"/>
+              <a:buNone/>
+            </a:pPr>
+            <a:r>
+              <a:rPr lang="cs-CZ" dirty="0">
                 <a:ea typeface="Calibri"/>
                 <a:cs typeface="Calibri"/>
               </a:rPr>
-              <a:t>Undo</a:t>
-            </a:r>
-            <a:r>
-              <a:rPr lang="cs-CZ" sz="2100" dirty="0">
-                <a:ea typeface="Calibri"/>
-                <a:cs typeface="Calibri"/>
-              </a:rPr>
-              <a:t>/</a:t>
-            </a:r>
-            <a:r>
-              <a:rPr lang="cs-CZ" sz="2100" err="1">
-                <a:ea typeface="Calibri"/>
-                <a:cs typeface="Calibri"/>
-              </a:rPr>
-              <a:t>Redo</a:t>
-            </a:r>
-            <a:r>
-              <a:rPr lang="cs-CZ" sz="2100" dirty="0">
-                <a:ea typeface="Calibri"/>
-                <a:cs typeface="Calibri"/>
-              </a:rPr>
-              <a:t> funkcionalita</a:t>
+              <a:t>Funckionalita:</a:t>
             </a:r>
           </a:p>
           <a:p>
@@ -5020,7 +5834,7 @@
                 <a:ea typeface="Calibri"/>
                 <a:cs typeface="Calibri"/>
               </a:rPr>
-              <a:t>Export do PNG, JPG</a:t>
+              <a:t>Manipulace prvků</a:t>
             </a:r>
           </a:p>
           <a:p>
@@ -5029,12 +5843,71 @@
               <a:buChar char="-"/>
             </a:pPr>
             <a:r>
+              <a:rPr lang="cs-CZ" sz="2100" dirty="0" err="1">
+                <a:ea typeface="Calibri"/>
+                <a:cs typeface="Calibri"/>
+              </a:rPr>
+              <a:t>Undo</a:t>
+            </a:r>
+            <a:r>
               <a:rPr lang="cs-CZ" sz="2100" dirty="0">
                 <a:ea typeface="Calibri"/>
                 <a:cs typeface="Calibri"/>
               </a:rPr>
+              <a:t>/</a:t>
+            </a:r>
+            <a:r>
+              <a:rPr lang="cs-CZ" sz="2100" dirty="0" err="1">
+                <a:ea typeface="Calibri"/>
+                <a:cs typeface="Calibri"/>
+              </a:rPr>
+              <a:t>Redo</a:t>
+            </a:r>
+            <a:r>
+              <a:rPr lang="cs-CZ" sz="2100" dirty="0">
+                <a:ea typeface="Calibri"/>
+                <a:cs typeface="Calibri"/>
+              </a:rPr>
+              <a:t> funkcionalita</a:t>
+            </a:r>
+            <a:endParaRPr lang="en-US" sz="2100" dirty="0">
+              <a:ea typeface="Calibri"/>
+              <a:cs typeface="Calibri"/>
+            </a:endParaRPr>
+          </a:p>
+          <a:p>
+            <a:pPr marL="457200" indent="-457200">
+              <a:buFont typeface="Calibri" panose="020B0604020202020204" pitchFamily="34" charset="0"/>
+              <a:buChar char="-"/>
+            </a:pPr>
+            <a:r>
+              <a:rPr lang="cs-CZ" sz="2100" dirty="0">
+                <a:ea typeface="Calibri"/>
+                <a:cs typeface="Calibri"/>
+              </a:rPr>
+              <a:t>Export jako obrázek</a:t>
+            </a:r>
+            <a:endParaRPr lang="en-US" sz="2100" dirty="0">
+              <a:ea typeface="Calibri"/>
+              <a:cs typeface="Calibri"/>
+            </a:endParaRPr>
+          </a:p>
+          <a:p>
+            <a:pPr marL="457200" indent="-457200">
+              <a:buFont typeface="Calibri" panose="020B0604020202020204" pitchFamily="34" charset="0"/>
+              <a:buChar char="-"/>
+            </a:pPr>
+            <a:r>
+              <a:rPr lang="cs-CZ" sz="2100" dirty="0">
+                <a:ea typeface="Calibri"/>
+                <a:cs typeface="Calibri"/>
+              </a:rPr>
               <a:t>Uložení do XML</a:t>
             </a:r>
+            <a:endParaRPr lang="cs-CZ" dirty="0">
+              <a:ea typeface="Calibri" panose="020F0502020204030204"/>
+              <a:cs typeface="Calibri" panose="020F0502020204030204"/>
+            </a:endParaRPr>
           </a:p>
         </p:txBody>
       </p:sp>
@@ -5084,7 +5957,12 @@
             <p:ph type="title"/>
           </p:nvPr>
         </p:nvSpPr>
-        <p:spPr/>
+        <p:spPr>
+          <a:xfrm>
+            <a:off x="712940" y="375563"/>
+            <a:ext cx="10515600" cy="1325563"/>
+          </a:xfrm>
+        </p:spPr>
         <p:txBody>
           <a:bodyPr/>
           <a:lstStyle/>
@@ -5137,7 +6015,7 @@
               <a:rPr lang="cs-CZ" dirty="0">
                 <a:cs typeface="Calibri"/>
               </a:rPr>
-              <a:t>Jazyk Java</a:t>
+              <a:t>Java</a:t>
             </a:r>
           </a:p>
           <a:p>
@@ -5163,6 +6041,23 @@
                 <a:cs typeface="Calibri"/>
               </a:rPr>
               <a:t> – framework pro vytváření grafických aplikací</a:t>
+            </a:r>
+            <a:endParaRPr lang="cs-CZ" dirty="0">
+              <a:ea typeface="Calibri"/>
+              <a:cs typeface="Calibri"/>
+            </a:endParaRPr>
+          </a:p>
+          <a:p>
+            <a:pPr marL="457200" indent="-457200">
+              <a:buFont typeface="Calibri" panose="020B0604020202020204" pitchFamily="34" charset="0"/>
+              <a:buChar char="-"/>
+            </a:pPr>
+            <a:r>
+              <a:rPr lang="cs-CZ" dirty="0" err="1">
+                <a:ea typeface="Calibri"/>
+                <a:cs typeface="Calibri"/>
+              </a:rPr>
+              <a:t>Canvas</a:t>
             </a:r>
           </a:p>
         </p:txBody>
@@ -5223,7 +6118,7 @@
                 <a:ea typeface="Calibri Light"/>
                 <a:cs typeface="Calibri Light"/>
               </a:rPr>
-              <a:t>Architektura??????</a:t>
+              <a:t>Architektura</a:t>
             </a:r>
             <a:endParaRPr lang="cs-CZ" dirty="0"/>
           </a:p>
@@ -5245,7 +6140,12 @@
             <p:ph idx="1"/>
           </p:nvPr>
         </p:nvSpPr>
-        <p:spPr/>
+        <p:spPr>
+          <a:xfrm>
+            <a:off x="796447" y="1689926"/>
+            <a:ext cx="10515600" cy="4351338"/>
+          </a:xfrm>
+        </p:spPr>
         <p:txBody>
           <a:bodyPr vert="horz" lIns="91440" tIns="45720" rIns="91440" bIns="45720" rtlCol="0" anchor="t">
             <a:normAutofit/>
@@ -5259,23 +6159,12 @@
               <a:rPr lang="cs-CZ" dirty="0">
                 <a:cs typeface="Calibri"/>
               </a:rPr>
-              <a:t>MVC</a:t>
-            </a:r>
-            <a:endParaRPr lang="cs-CZ">
-              <a:cs typeface="Calibri" panose="020F0502020204030204"/>
+              <a:t>MVC architektura</a:t>
+            </a:r>
+            <a:endParaRPr lang="cs-CZ" dirty="0">
+              <a:ea typeface="Calibri" panose="020F0502020204030204"/>
+              <a:cs typeface="Calibri"/>
             </a:endParaRPr>
-          </a:p>
-          <a:p>
-            <a:pPr>
-              <a:buFont typeface="Calibri" panose="020B0604020202020204" pitchFamily="34" charset="0"/>
-              <a:buChar char="-"/>
-            </a:pPr>
-            <a:r>
-              <a:rPr lang="cs-CZ" dirty="0">
-                <a:cs typeface="Calibri"/>
-              </a:rPr>
-              <a:t>// TODO něco dopsat</a:t>
-            </a:r>
           </a:p>
           <a:p>
             <a:pPr>
@@ -5298,12 +6187,13 @@
               <a:t>Model – </a:t>
             </a:r>
             <a:r>
-              <a:rPr lang="cs-CZ" sz="2100" err="1">
+              <a:rPr lang="cs-CZ" sz="2100" dirty="0" err="1">
                 <a:cs typeface="Calibri"/>
               </a:rPr>
-              <a:t>CanvasState</a:t>
-            </a:r>
-            <a:endParaRPr lang="cs-CZ" sz="2100">
+              <a:t>CanvasModel</a:t>
+            </a:r>
+            <a:endParaRPr lang="cs-CZ" sz="2100" dirty="0" err="1">
+              <a:ea typeface="Calibri"/>
               <a:cs typeface="Calibri"/>
             </a:endParaRPr>
           </a:p>
@@ -5493,46 +6383,45 @@
           <a:lstStyle/>
           <a:p>
             <a:r>
-              <a:rPr lang="cs-CZ" dirty="0">
+              <a:rPr lang="cs-CZ" sz="2600" dirty="0">
                 <a:ea typeface="Calibri"/>
                 <a:cs typeface="Calibri"/>
               </a:rPr>
               <a:t>datová struktura pro efektivní ukládání a vyhledávání prvků v rovině</a:t>
             </a:r>
-            <a:endParaRPr lang="cs-CZ" dirty="0"/>
-          </a:p>
-        </p:txBody>
-      </p:sp>
-      <p:pic>
-        <p:nvPicPr>
-          <p:cNvPr id="5" name="Obrázek 4" descr="Obsah obrázku text, rukopis, skica, kresba">
-            <a:extLst>
-              <a:ext uri="{FF2B5EF4-FFF2-40B4-BE49-F238E27FC236}">
-                <a16:creationId xmlns:a16="http://schemas.microsoft.com/office/drawing/2014/main" id="{3344719C-3B67-27E5-96C3-493228EBB870}"/>
-              </a:ext>
-            </a:extLst>
-          </p:cNvPr>
-          <p:cNvPicPr>
-            <a:picLocks noChangeAspect="1"/>
-          </p:cNvPicPr>
-          <p:nvPr/>
-        </p:nvPicPr>
-        <p:blipFill>
-          <a:blip r:embed="rId2"/>
-          <a:stretch>
-            <a:fillRect/>
-          </a:stretch>
-        </p:blipFill>
-        <p:spPr>
-          <a:xfrm>
-            <a:off x="5845480" y="3149774"/>
-            <a:ext cx="6096000" cy="3429000"/>
-          </a:xfrm>
-          <a:prstGeom prst="rect">
-            <a:avLst/>
-          </a:prstGeom>
-        </p:spPr>
-      </p:pic>
+          </a:p>
+          <a:p>
+            <a:endParaRPr lang="cs-CZ" sz="2600" dirty="0">
+              <a:ea typeface="Calibri"/>
+              <a:cs typeface="Calibri"/>
+            </a:endParaRPr>
+          </a:p>
+          <a:p>
+            <a:r>
+              <a:rPr lang="cs-CZ" sz="2600" dirty="0">
+                <a:ea typeface="Calibri"/>
+                <a:cs typeface="Calibri"/>
+              </a:rPr>
+              <a:t>funguje na principu rozdělení roviny na čtyři stejně velké části - kvadranty</a:t>
+            </a:r>
+          </a:p>
+          <a:p>
+            <a:endParaRPr lang="cs-CZ" sz="2600" dirty="0">
+              <a:ea typeface="Calibri"/>
+              <a:cs typeface="Calibri"/>
+            </a:endParaRPr>
+          </a:p>
+          <a:p>
+            <a:r>
+              <a:rPr lang="cs-CZ" sz="2600" dirty="0">
+                <a:ea typeface="Calibri"/>
+                <a:cs typeface="Calibri"/>
+              </a:rPr>
+              <a:t>tyto části se dále rozdělují podle počtu prvků v daných kvadrantech</a:t>
+            </a:r>
+          </a:p>
+        </p:txBody>
+      </p:sp>
     </p:spTree>
     <p:extLst>
       <p:ext uri="{BB962C8B-B14F-4D97-AF65-F5344CB8AC3E}">

--- a/SBP/Prezentace SBP Hradílek.pptx
+++ b/SBP/Prezentace SBP Hradílek.pptx
@@ -129,9 +129,9 @@
 <file path=ppt/revisionInfo.xml><?xml version="1.0" encoding="utf-8"?>
 <p1510:revInfo xmlns:a="http://schemas.openxmlformats.org/drawingml/2006/main" xmlns:r="http://schemas.openxmlformats.org/officeDocument/2006/relationships" xmlns:p1510="http://schemas.microsoft.com/office/powerpoint/2015/10/main">
   <p1510:revLst>
-    <p1510:client id="{3370ACB7-E856-6A28-0CE5-256D966A62CF}" v="1278" dt="2024-03-17T14:57:08.467"/>
     <p1510:client id="{49A1CE87-8907-9133-2294-3272E56214A6}" v="154" dt="2024-03-19T13:30:02.780"/>
-    <p1510:client id="{9B42327C-76E5-76F3-12F6-2E540D0A7107}" v="386" dt="2024-03-19T14:42:35.860"/>
+    <p1510:client id="{89BAADA3-B65C-838D-F3A7-498D33B81879}" v="25" dt="2024-03-20T14:41:30.912"/>
+    <p1510:client id="{9B42327C-76E5-76F3-12F6-2E540D0A7107}" v="397" dt="2024-03-19T14:45:51.264"/>
   </p1510:revLst>
 </p1510:revInfo>
 </file>
@@ -265,7 +265,7 @@
           <a:p>
             <a:fld id="{8A3A43DF-04A3-4662-88CA-28FDED1CFC09}" type="datetimeFigureOut">
               <a:rPr lang="cs-CZ" smtClean="0"/>
-              <a:t>19.03.2024</a:t>
+              <a:t>21.03.2024</a:t>
             </a:fld>
             <a:endParaRPr lang="cs-CZ"/>
           </a:p>
@@ -433,7 +433,7 @@
           <a:p>
             <a:fld id="{8A3A43DF-04A3-4662-88CA-28FDED1CFC09}" type="datetimeFigureOut">
               <a:rPr lang="cs-CZ" smtClean="0"/>
-              <a:t>19.03.2024</a:t>
+              <a:t>21.03.2024</a:t>
             </a:fld>
             <a:endParaRPr lang="cs-CZ"/>
           </a:p>
@@ -611,7 +611,7 @@
           <a:p>
             <a:fld id="{8A3A43DF-04A3-4662-88CA-28FDED1CFC09}" type="datetimeFigureOut">
               <a:rPr lang="cs-CZ" smtClean="0"/>
-              <a:t>19.03.2024</a:t>
+              <a:t>21.03.2024</a:t>
             </a:fld>
             <a:endParaRPr lang="cs-CZ"/>
           </a:p>
@@ -779,7 +779,7 @@
           <a:p>
             <a:fld id="{8A3A43DF-04A3-4662-88CA-28FDED1CFC09}" type="datetimeFigureOut">
               <a:rPr lang="cs-CZ" smtClean="0"/>
-              <a:t>19.03.2024</a:t>
+              <a:t>21.03.2024</a:t>
             </a:fld>
             <a:endParaRPr lang="cs-CZ"/>
           </a:p>
@@ -1024,7 +1024,7 @@
           <a:p>
             <a:fld id="{8A3A43DF-04A3-4662-88CA-28FDED1CFC09}" type="datetimeFigureOut">
               <a:rPr lang="cs-CZ" smtClean="0"/>
-              <a:t>19.03.2024</a:t>
+              <a:t>21.03.2024</a:t>
             </a:fld>
             <a:endParaRPr lang="cs-CZ"/>
           </a:p>
@@ -1253,7 +1253,7 @@
           <a:p>
             <a:fld id="{8A3A43DF-04A3-4662-88CA-28FDED1CFC09}" type="datetimeFigureOut">
               <a:rPr lang="cs-CZ" smtClean="0"/>
-              <a:t>19.03.2024</a:t>
+              <a:t>21.03.2024</a:t>
             </a:fld>
             <a:endParaRPr lang="cs-CZ"/>
           </a:p>
@@ -1617,7 +1617,7 @@
           <a:p>
             <a:fld id="{8A3A43DF-04A3-4662-88CA-28FDED1CFC09}" type="datetimeFigureOut">
               <a:rPr lang="cs-CZ" smtClean="0"/>
-              <a:t>19.03.2024</a:t>
+              <a:t>21.03.2024</a:t>
             </a:fld>
             <a:endParaRPr lang="cs-CZ"/>
           </a:p>
@@ -1734,7 +1734,7 @@
           <a:p>
             <a:fld id="{8A3A43DF-04A3-4662-88CA-28FDED1CFC09}" type="datetimeFigureOut">
               <a:rPr lang="cs-CZ" smtClean="0"/>
-              <a:t>19.03.2024</a:t>
+              <a:t>21.03.2024</a:t>
             </a:fld>
             <a:endParaRPr lang="cs-CZ"/>
           </a:p>
@@ -1829,7 +1829,7 @@
           <a:p>
             <a:fld id="{8A3A43DF-04A3-4662-88CA-28FDED1CFC09}" type="datetimeFigureOut">
               <a:rPr lang="cs-CZ" smtClean="0"/>
-              <a:t>19.03.2024</a:t>
+              <a:t>21.03.2024</a:t>
             </a:fld>
             <a:endParaRPr lang="cs-CZ"/>
           </a:p>
@@ -2104,7 +2104,7 @@
           <a:p>
             <a:fld id="{8A3A43DF-04A3-4662-88CA-28FDED1CFC09}" type="datetimeFigureOut">
               <a:rPr lang="cs-CZ" smtClean="0"/>
-              <a:t>19.03.2024</a:t>
+              <a:t>21.03.2024</a:t>
             </a:fld>
             <a:endParaRPr lang="cs-CZ"/>
           </a:p>
@@ -2356,7 +2356,7 @@
           <a:p>
             <a:fld id="{8A3A43DF-04A3-4662-88CA-28FDED1CFC09}" type="datetimeFigureOut">
               <a:rPr lang="cs-CZ" smtClean="0"/>
-              <a:t>19.03.2024</a:t>
+              <a:t>21.03.2024</a:t>
             </a:fld>
             <a:endParaRPr lang="cs-CZ"/>
           </a:p>
@@ -2567,7 +2567,7 @@
           <a:p>
             <a:fld id="{8A3A43DF-04A3-4662-88CA-28FDED1CFC09}" type="datetimeFigureOut">
               <a:rPr lang="cs-CZ" smtClean="0"/>
-              <a:t>19.03.2024</a:t>
+              <a:t>21.03.2024</a:t>
             </a:fld>
             <a:endParaRPr lang="cs-CZ"/>
           </a:p>
@@ -2982,10 +2982,10 @@
       </p:grpSpPr>
       <p:sp useBgFill="1">
         <p:nvSpPr>
-          <p:cNvPr id="9" name="Rectangle 8">
+          <p:cNvPr id="96" name="Rectangle 73">
             <a:extLst>
               <a:ext uri="{FF2B5EF4-FFF2-40B4-BE49-F238E27FC236}">
-                <a16:creationId xmlns:a16="http://schemas.microsoft.com/office/drawing/2014/main" id="{594D6AA1-A0E1-45F9-8E25-BAB8092293CC}"/>
+                <a16:creationId xmlns:a16="http://schemas.microsoft.com/office/drawing/2014/main" id="{DED2895B-C79F-4775-994F-1C4D2A4AFC6C}"/>
               </a:ext>
               <a:ext uri="{C183D7F6-B498-43B3-948B-1728B52AA6E4}">
                 <adec:decorative xmlns:adec="http://schemas.microsoft.com/office/drawing/2017/decorative" val="1"/>
@@ -3054,8 +3054,8 @@
         </p:nvSpPr>
         <p:spPr>
           <a:xfrm>
-            <a:off x="838200" y="2957513"/>
-            <a:ext cx="10514013" cy="3363913"/>
+            <a:off x="2485873" y="2789433"/>
+            <a:ext cx="7220254" cy="817912"/>
           </a:xfrm>
           <a:prstGeom prst="rect">
             <a:avLst/>
@@ -3077,38 +3077,42 @@
               </a:spcAft>
             </a:pPr>
             <a:r>
+              <a:rPr lang="en-US" sz="2800">
+                <a:ea typeface="Calibri"/>
+                <a:cs typeface="Calibri"/>
+              </a:rPr>
+              <a:t>   Vedoucí </a:t>
+            </a:r>
+            <a:r>
               <a:rPr lang="en-US" sz="2800" err="1">
                 <a:ea typeface="Calibri"/>
                 <a:cs typeface="Calibri"/>
               </a:rPr>
-              <a:t>Vedoucí</a:t>
+              <a:t>práce</a:t>
             </a:r>
             <a:r>
               <a:rPr lang="en-US" sz="2800">
                 <a:ea typeface="Calibri"/>
                 <a:cs typeface="Calibri"/>
               </a:rPr>
-              <a:t> </a:t>
-            </a:r>
-            <a:r>
-              <a:rPr lang="en-US" sz="2800" err="1">
-                <a:ea typeface="Calibri"/>
-                <a:cs typeface="Calibri"/>
-              </a:rPr>
-              <a:t>práce</a:t>
-            </a:r>
-            <a:r>
-              <a:rPr lang="en-US" sz="2800">
-                <a:ea typeface="Calibri"/>
-                <a:cs typeface="Calibri"/>
-              </a:rPr>
               <a:t> : </a:t>
             </a:r>
             <a:r>
+              <a:rPr lang="en-US" sz="2800" err="1"/>
+              <a:t>RNDr</a:t>
+            </a:r>
+            <a:r>
               <a:rPr lang="en-US" sz="2800"/>
-              <a:t>RNDr. Arnošt Večerka</a:t>
-            </a:r>
-            <a:endParaRPr lang="cs-CZ" sz="2800"/>
+              <a:t>. Arnošt </a:t>
+            </a:r>
+            <a:r>
+              <a:rPr lang="en-US" sz="2800" err="1"/>
+              <a:t>Večerka</a:t>
+            </a:r>
+            <a:endParaRPr lang="cs-CZ" sz="2800">
+              <a:ea typeface="Calibri"/>
+              <a:cs typeface="Calibri"/>
+            </a:endParaRPr>
           </a:p>
           <a:p>
             <a:pPr>
@@ -3163,24 +3167,28 @@
         </p:nvSpPr>
         <p:spPr>
           <a:xfrm>
-            <a:off x="838199" y="557189"/>
-            <a:ext cx="10515599" cy="1296287"/>
+            <a:off x="2273496" y="825298"/>
+            <a:ext cx="7654710" cy="956044"/>
           </a:xfrm>
         </p:spPr>
         <p:txBody>
-          <a:bodyPr>
+          <a:bodyPr vert="horz" lIns="91440" tIns="45720" rIns="91440" bIns="45720" rtlCol="0" anchor="b">
             <a:normAutofit/>
           </a:bodyPr>
           <a:lstStyle/>
           <a:p>
-            <a:r>
-              <a:rPr lang="cs-CZ" sz="5200">
-                <a:ea typeface="Calibri Light"/>
-                <a:cs typeface="Calibri Light"/>
+            <a:pPr algn="l"/>
+            <a:r>
+              <a:rPr lang="en-US" sz="5200" kern="1200">
+                <a:solidFill>
+                  <a:schemeClr val="tx1"/>
+                </a:solidFill>
+                <a:latin typeface="+mj-lt"/>
+                <a:ea typeface="+mj-ea"/>
+                <a:cs typeface="+mj-cs"/>
               </a:rPr>
               <a:t>Diagramy datových toků</a:t>
             </a:r>
-            <a:endParaRPr lang="cs-CZ" sz="5200"/>
           </a:p>
         </p:txBody>
       </p:sp>
@@ -3196,35 +3204,40 @@
         </p:nvSpPr>
         <p:spPr>
           <a:xfrm>
-            <a:off x="838199" y="2046851"/>
-            <a:ext cx="10515599" cy="728910"/>
+            <a:off x="4945716" y="2057439"/>
+            <a:ext cx="2310273" cy="508963"/>
           </a:xfrm>
         </p:spPr>
         <p:txBody>
-          <a:bodyPr vert="horz" lIns="91440" tIns="45720" rIns="91440" bIns="45720" rtlCol="0">
+          <a:bodyPr vert="horz" lIns="91440" tIns="45720" rIns="91440" bIns="45720" rtlCol="0" anchor="t">
             <a:normAutofit/>
           </a:bodyPr>
           <a:lstStyle/>
           <a:p>
-            <a:r>
-              <a:rPr lang="cs-CZ" dirty="0" err="1">
-                <a:ea typeface="Calibri"/>
+            <a:pPr algn="l"/>
+            <a:r>
+              <a:rPr lang="en-US" dirty="0">
                 <a:cs typeface="Calibri"/>
               </a:rPr>
+              <a:t>Martin </a:t>
+            </a:r>
+            <a:r>
+              <a:rPr lang="en-US" dirty="0" err="1">
+                <a:cs typeface="Calibri"/>
+              </a:rPr>
               <a:t>Hradílek</a:t>
             </a:r>
-            <a:r>
-              <a:rPr lang="cs-CZ" dirty="0">
-                <a:ea typeface="Calibri"/>
-                <a:cs typeface="Calibri"/>
-              </a:rPr>
-              <a:t> Martin</a:t>
-            </a:r>
-          </a:p>
-          <a:p>
-            <a:endParaRPr lang="cs-CZ" dirty="0">
-              <a:ea typeface="Calibri"/>
-              <a:cs typeface="Calibri"/>
+            <a:endParaRPr lang="cs-CZ" dirty="0" err="1"/>
+          </a:p>
+          <a:p>
+            <a:pPr algn="l"/>
+            <a:endParaRPr lang="en-US" kern="1200">
+              <a:solidFill>
+                <a:schemeClr val="tx1"/>
+              </a:solidFill>
+              <a:latin typeface="+mn-lt"/>
+              <a:ea typeface="+mn-ea"/>
+              <a:cs typeface="+mn-cs"/>
             </a:endParaRPr>
           </a:p>
         </p:txBody>
@@ -3282,7 +3295,7 @@
         </p:blipFill>
         <p:spPr>
           <a:xfrm>
-            <a:off x="948082" y="344500"/>
+            <a:off x="666246" y="365377"/>
             <a:ext cx="10710717" cy="6115104"/>
           </a:xfrm>
         </p:spPr>
